--- a/分享/自动化测试，到底该测些什么.pptx
+++ b/分享/自动化测试，到底该测些什么.pptx
@@ -13,8 +13,8 @@
     <p:sldId id="304" r:id="rId6"/>
     <p:sldId id="279" r:id="rId7"/>
     <p:sldId id="343" r:id="rId8"/>
-    <p:sldId id="286" r:id="rId9"/>
-    <p:sldId id="291" r:id="rId10"/>
+    <p:sldId id="358" r:id="rId9"/>
+    <p:sldId id="359" r:id="rId10"/>
     <p:sldId id="293" r:id="rId11"/>
     <p:sldId id="344" r:id="rId12"/>
     <p:sldId id="298" r:id="rId13"/>
@@ -8869,7 +8869,7 @@
         </p:nvSpPr>
         <p:spPr>
           <a:xfrm>
-            <a:off x="5717685" y="2826890"/>
+            <a:off x="5708795" y="2972305"/>
             <a:ext cx="4060765" cy="860425"/>
           </a:xfrm>
           <a:prstGeom prst="rect">
@@ -8914,7 +8914,7 @@
         <p:spPr>
           <a:xfrm>
             <a:off x="2066851" y="2978524"/>
-            <a:ext cx="2063019" cy="646331"/>
+            <a:ext cx="2063019" cy="645160"/>
           </a:xfrm>
           <a:prstGeom prst="rect">
             <a:avLst/>
@@ -8936,7 +8936,7 @@
                 <a:latin typeface="微软雅黑 Light" panose="020B0502040204020203" pitchFamily="34" charset="-122"/>
                 <a:ea typeface="微软雅黑 Light" panose="020B0502040204020203" pitchFamily="34" charset="-122"/>
               </a:rPr>
-              <a:t>第四部分</a:t>
+              <a:t>第三部分</a:t>
             </a:r>
             <a:endParaRPr lang="zh-CN" altLang="en-US" sz="3600" dirty="0">
               <a:solidFill>
@@ -9037,7 +9037,7 @@
         <p:spPr>
           <a:xfrm>
             <a:off x="1918897" y="3624855"/>
-            <a:ext cx="2471626" cy="461665"/>
+            <a:ext cx="2471626" cy="460375"/>
           </a:xfrm>
           <a:prstGeom prst="rect">
             <a:avLst/>
@@ -9060,9 +9060,20 @@
                 <a:ea typeface="微软雅黑 Light" panose="020B0502040204020203" pitchFamily="34" charset="-122"/>
                 <a:cs typeface="Helvetica" panose="020B0604020202020204" pitchFamily="34" charset="0"/>
               </a:rPr>
-              <a:t>Part One</a:t>
+              <a:t>Part </a:t>
             </a:r>
-            <a:endParaRPr lang="zh-CN" altLang="en-US" sz="2400" dirty="0">
+            <a:r>
+              <a:rPr lang="en-US" sz="2400" dirty="0">
+                <a:solidFill>
+                  <a:srgbClr val="413B39"/>
+                </a:solidFill>
+                <a:latin typeface="微软雅黑 Light" panose="020B0502040204020203" pitchFamily="34" charset="-122"/>
+                <a:ea typeface="微软雅黑 Light" panose="020B0502040204020203" pitchFamily="34" charset="-122"/>
+                <a:cs typeface="Helvetica" panose="020B0604020202020204" pitchFamily="34" charset="0"/>
+              </a:rPr>
+              <a:t>Three</a:t>
+            </a:r>
+            <a:endParaRPr lang="en-US" sz="2400" dirty="0">
               <a:solidFill>
                 <a:srgbClr val="413B39"/>
               </a:solidFill>
@@ -9595,7 +9606,7 @@
         <p:spPr>
           <a:xfrm>
             <a:off x="1038860" y="1753235"/>
-            <a:ext cx="10311130" cy="368300"/>
+            <a:ext cx="10311130" cy="460375"/>
           </a:xfrm>
           <a:prstGeom prst="rect">
             <a:avLst/>
@@ -9613,9 +9624,13 @@
             </a:pPr>
             <a:r>
               <a:rPr lang="zh-CN" altLang="en-US"/>
-              <a:t>其实正真的痛点可能只有一个，业务</a:t>
+              <a:t>其实正真的痛点可能只有一个，</a:t>
             </a:r>
-            <a:endParaRPr lang="zh-CN" altLang="en-US"/>
+            <a:r>
+              <a:rPr lang="zh-CN" altLang="en-US" sz="2400" b="1"/>
+              <a:t>业务</a:t>
+            </a:r>
+            <a:endParaRPr lang="zh-CN" altLang="en-US" sz="2400" b="1"/>
           </a:p>
         </p:txBody>
       </p:sp>
@@ -9691,9 +9706,13 @@
             </a:r>
             <a:r>
               <a:rPr lang="en-US" altLang="zh-CN"/>
-              <a:t>...</a:t>
+              <a:t>... </a:t>
             </a:r>
-            <a:endParaRPr lang="en-US" altLang="zh-CN"/>
+            <a:r>
+              <a:rPr lang="zh-CN" altLang="en-US"/>
+              <a:t>可能没有接触过也是个问题，但是绝不是最主要的问题了</a:t>
+            </a:r>
+            <a:endParaRPr lang="zh-CN" altLang="en-US"/>
           </a:p>
         </p:txBody>
       </p:sp>
@@ -9757,6 +9776,39 @@
             </a:pPr>
             <a:r>
               <a:rPr lang="zh-CN" altLang="en-US"/>
+              <a:t>此外还有</a:t>
+            </a:r>
+            <a:endParaRPr lang="zh-CN" altLang="en-US"/>
+          </a:p>
+        </p:txBody>
+      </p:sp>
+      <p:sp>
+        <p:nvSpPr>
+          <p:cNvPr id="7" name="文本框 6"/>
+          <p:cNvSpPr txBox="1"/>
+          <p:nvPr/>
+        </p:nvSpPr>
+        <p:spPr>
+          <a:xfrm>
+            <a:off x="1038860" y="4551045"/>
+            <a:ext cx="3014980" cy="368300"/>
+          </a:xfrm>
+          <a:prstGeom prst="rect">
+            <a:avLst/>
+          </a:prstGeom>
+          <a:noFill/>
+        </p:spPr>
+        <p:txBody>
+          <a:bodyPr wrap="square" rtlCol="0">
+            <a:spAutoFit/>
+          </a:bodyPr>
+          <a:p>
+            <a:pPr marL="285750" indent="-285750">
+              <a:buFont typeface="Arial" panose="020B0604020202020204" pitchFamily="34" charset="0"/>
+              <a:buChar char="•"/>
+            </a:pPr>
+            <a:r>
+              <a:rPr lang="zh-CN" altLang="en-US"/>
               <a:t>再写写</a:t>
             </a:r>
             <a:endParaRPr lang="zh-CN" altLang="en-US"/>
@@ -9783,9 +9835,494 @@
   <p:timing>
     <p:tnLst>
       <p:par>
-        <p:cTn id="1" dur="indefinite" restart="never" nodeType="tmRoot"/>
+        <p:cTn id="1" dur="indefinite" restart="never" nodeType="tmRoot">
+          <p:childTnLst>
+            <p:seq concurrent="1" nextAc="seek">
+              <p:cTn id="2" dur="indefinite" nodeType="mainSeq">
+                <p:childTnLst>
+                  <p:par>
+                    <p:cTn id="3" fill="hold">
+                      <p:stCondLst>
+                        <p:cond delay="indefinite"/>
+                      </p:stCondLst>
+                      <p:childTnLst>
+                        <p:par>
+                          <p:cTn id="4" fill="hold">
+                            <p:stCondLst>
+                              <p:cond delay="0"/>
+                            </p:stCondLst>
+                            <p:childTnLst>
+                              <p:par>
+                                <p:cTn id="5" presetID="2" presetClass="entr" presetSubtype="4" fill="hold" grpId="0" nodeType="clickEffect">
+                                  <p:stCondLst>
+                                    <p:cond delay="0"/>
+                                  </p:stCondLst>
+                                  <p:childTnLst>
+                                    <p:set>
+                                      <p:cBhvr>
+                                        <p:cTn id="6" dur="1" fill="hold">
+                                          <p:stCondLst>
+                                            <p:cond delay="0"/>
+                                          </p:stCondLst>
+                                        </p:cTn>
+                                        <p:tgtEl>
+                                          <p:spTgt spid="3"/>
+                                        </p:tgtEl>
+                                        <p:attrNameLst>
+                                          <p:attrName>style.visibility</p:attrName>
+                                        </p:attrNameLst>
+                                      </p:cBhvr>
+                                      <p:to>
+                                        <p:strVal val="visible"/>
+                                      </p:to>
+                                    </p:set>
+                                    <p:anim calcmode="lin" valueType="num">
+                                      <p:cBhvr additive="base">
+                                        <p:cTn id="7" dur="500" fill="hold"/>
+                                        <p:tgtEl>
+                                          <p:spTgt spid="3"/>
+                                        </p:tgtEl>
+                                        <p:attrNameLst>
+                                          <p:attrName>ppt_x</p:attrName>
+                                        </p:attrNameLst>
+                                      </p:cBhvr>
+                                      <p:tavLst>
+                                        <p:tav tm="0">
+                                          <p:val>
+                                            <p:strVal val="#ppt_x"/>
+                                          </p:val>
+                                        </p:tav>
+                                        <p:tav tm="100000">
+                                          <p:val>
+                                            <p:strVal val="#ppt_x"/>
+                                          </p:val>
+                                        </p:tav>
+                                      </p:tavLst>
+                                    </p:anim>
+                                    <p:anim calcmode="lin" valueType="num">
+                                      <p:cBhvr additive="base">
+                                        <p:cTn id="8" dur="500" fill="hold"/>
+                                        <p:tgtEl>
+                                          <p:spTgt spid="3"/>
+                                        </p:tgtEl>
+                                        <p:attrNameLst>
+                                          <p:attrName>ppt_y</p:attrName>
+                                        </p:attrNameLst>
+                                      </p:cBhvr>
+                                      <p:tavLst>
+                                        <p:tav tm="0">
+                                          <p:val>
+                                            <p:strVal val="1+#ppt_h/2"/>
+                                          </p:val>
+                                        </p:tav>
+                                        <p:tav tm="100000">
+                                          <p:val>
+                                            <p:strVal val="#ppt_y"/>
+                                          </p:val>
+                                        </p:tav>
+                                      </p:tavLst>
+                                    </p:anim>
+                                  </p:childTnLst>
+                                </p:cTn>
+                              </p:par>
+                            </p:childTnLst>
+                          </p:cTn>
+                        </p:par>
+                      </p:childTnLst>
+                    </p:cTn>
+                  </p:par>
+                  <p:par>
+                    <p:cTn id="9" fill="hold">
+                      <p:stCondLst>
+                        <p:cond delay="indefinite"/>
+                      </p:stCondLst>
+                      <p:childTnLst>
+                        <p:par>
+                          <p:cTn id="10" fill="hold">
+                            <p:stCondLst>
+                              <p:cond delay="0"/>
+                            </p:stCondLst>
+                            <p:childTnLst>
+                              <p:par>
+                                <p:cTn id="11" presetID="2" presetClass="entr" presetSubtype="4" fill="hold" grpId="0" nodeType="clickEffect">
+                                  <p:stCondLst>
+                                    <p:cond delay="0"/>
+                                  </p:stCondLst>
+                                  <p:childTnLst>
+                                    <p:set>
+                                      <p:cBhvr>
+                                        <p:cTn id="12" dur="1" fill="hold">
+                                          <p:stCondLst>
+                                            <p:cond delay="0"/>
+                                          </p:stCondLst>
+                                        </p:cTn>
+                                        <p:tgtEl>
+                                          <p:spTgt spid="4"/>
+                                        </p:tgtEl>
+                                        <p:attrNameLst>
+                                          <p:attrName>style.visibility</p:attrName>
+                                        </p:attrNameLst>
+                                      </p:cBhvr>
+                                      <p:to>
+                                        <p:strVal val="visible"/>
+                                      </p:to>
+                                    </p:set>
+                                    <p:anim calcmode="lin" valueType="num">
+                                      <p:cBhvr additive="base">
+                                        <p:cTn id="13" dur="500" fill="hold"/>
+                                        <p:tgtEl>
+                                          <p:spTgt spid="4"/>
+                                        </p:tgtEl>
+                                        <p:attrNameLst>
+                                          <p:attrName>ppt_x</p:attrName>
+                                        </p:attrNameLst>
+                                      </p:cBhvr>
+                                      <p:tavLst>
+                                        <p:tav tm="0">
+                                          <p:val>
+                                            <p:strVal val="#ppt_x"/>
+                                          </p:val>
+                                        </p:tav>
+                                        <p:tav tm="100000">
+                                          <p:val>
+                                            <p:strVal val="#ppt_x"/>
+                                          </p:val>
+                                        </p:tav>
+                                      </p:tavLst>
+                                    </p:anim>
+                                    <p:anim calcmode="lin" valueType="num">
+                                      <p:cBhvr additive="base">
+                                        <p:cTn id="14" dur="500" fill="hold"/>
+                                        <p:tgtEl>
+                                          <p:spTgt spid="4"/>
+                                        </p:tgtEl>
+                                        <p:attrNameLst>
+                                          <p:attrName>ppt_y</p:attrName>
+                                        </p:attrNameLst>
+                                      </p:cBhvr>
+                                      <p:tavLst>
+                                        <p:tav tm="0">
+                                          <p:val>
+                                            <p:strVal val="1+#ppt_h/2"/>
+                                          </p:val>
+                                        </p:tav>
+                                        <p:tav tm="100000">
+                                          <p:val>
+                                            <p:strVal val="#ppt_y"/>
+                                          </p:val>
+                                        </p:tav>
+                                      </p:tavLst>
+                                    </p:anim>
+                                  </p:childTnLst>
+                                </p:cTn>
+                              </p:par>
+                            </p:childTnLst>
+                          </p:cTn>
+                        </p:par>
+                      </p:childTnLst>
+                    </p:cTn>
+                  </p:par>
+                  <p:par>
+                    <p:cTn id="15" fill="hold">
+                      <p:stCondLst>
+                        <p:cond delay="indefinite"/>
+                      </p:stCondLst>
+                      <p:childTnLst>
+                        <p:par>
+                          <p:cTn id="16" fill="hold">
+                            <p:stCondLst>
+                              <p:cond delay="0"/>
+                            </p:stCondLst>
+                            <p:childTnLst>
+                              <p:par>
+                                <p:cTn id="17" presetID="2" presetClass="entr" presetSubtype="4" fill="hold" grpId="0" nodeType="clickEffect">
+                                  <p:stCondLst>
+                                    <p:cond delay="0"/>
+                                  </p:stCondLst>
+                                  <p:childTnLst>
+                                    <p:set>
+                                      <p:cBhvr>
+                                        <p:cTn id="18" dur="1" fill="hold">
+                                          <p:stCondLst>
+                                            <p:cond delay="0"/>
+                                          </p:stCondLst>
+                                        </p:cTn>
+                                        <p:tgtEl>
+                                          <p:spTgt spid="5"/>
+                                        </p:tgtEl>
+                                        <p:attrNameLst>
+                                          <p:attrName>style.visibility</p:attrName>
+                                        </p:attrNameLst>
+                                      </p:cBhvr>
+                                      <p:to>
+                                        <p:strVal val="visible"/>
+                                      </p:to>
+                                    </p:set>
+                                    <p:anim calcmode="lin" valueType="num">
+                                      <p:cBhvr additive="base">
+                                        <p:cTn id="19" dur="500" fill="hold"/>
+                                        <p:tgtEl>
+                                          <p:spTgt spid="5"/>
+                                        </p:tgtEl>
+                                        <p:attrNameLst>
+                                          <p:attrName>ppt_x</p:attrName>
+                                        </p:attrNameLst>
+                                      </p:cBhvr>
+                                      <p:tavLst>
+                                        <p:tav tm="0">
+                                          <p:val>
+                                            <p:strVal val="#ppt_x"/>
+                                          </p:val>
+                                        </p:tav>
+                                        <p:tav tm="100000">
+                                          <p:val>
+                                            <p:strVal val="#ppt_x"/>
+                                          </p:val>
+                                        </p:tav>
+                                      </p:tavLst>
+                                    </p:anim>
+                                    <p:anim calcmode="lin" valueType="num">
+                                      <p:cBhvr additive="base">
+                                        <p:cTn id="20" dur="500" fill="hold"/>
+                                        <p:tgtEl>
+                                          <p:spTgt spid="5"/>
+                                        </p:tgtEl>
+                                        <p:attrNameLst>
+                                          <p:attrName>ppt_y</p:attrName>
+                                        </p:attrNameLst>
+                                      </p:cBhvr>
+                                      <p:tavLst>
+                                        <p:tav tm="0">
+                                          <p:val>
+                                            <p:strVal val="1+#ppt_h/2"/>
+                                          </p:val>
+                                        </p:tav>
+                                        <p:tav tm="100000">
+                                          <p:val>
+                                            <p:strVal val="#ppt_y"/>
+                                          </p:val>
+                                        </p:tav>
+                                      </p:tavLst>
+                                    </p:anim>
+                                  </p:childTnLst>
+                                </p:cTn>
+                              </p:par>
+                            </p:childTnLst>
+                          </p:cTn>
+                        </p:par>
+                      </p:childTnLst>
+                    </p:cTn>
+                  </p:par>
+                  <p:par>
+                    <p:cTn id="21" fill="hold">
+                      <p:stCondLst>
+                        <p:cond delay="indefinite"/>
+                      </p:stCondLst>
+                      <p:childTnLst>
+                        <p:par>
+                          <p:cTn id="22" fill="hold">
+                            <p:stCondLst>
+                              <p:cond delay="0"/>
+                            </p:stCondLst>
+                            <p:childTnLst>
+                              <p:par>
+                                <p:cTn id="23" presetID="2" presetClass="entr" presetSubtype="4" fill="hold" grpId="0" nodeType="clickEffect">
+                                  <p:stCondLst>
+                                    <p:cond delay="0"/>
+                                  </p:stCondLst>
+                                  <p:childTnLst>
+                                    <p:set>
+                                      <p:cBhvr>
+                                        <p:cTn id="24" dur="1" fill="hold">
+                                          <p:stCondLst>
+                                            <p:cond delay="0"/>
+                                          </p:stCondLst>
+                                        </p:cTn>
+                                        <p:tgtEl>
+                                          <p:spTgt spid="6"/>
+                                        </p:tgtEl>
+                                        <p:attrNameLst>
+                                          <p:attrName>style.visibility</p:attrName>
+                                        </p:attrNameLst>
+                                      </p:cBhvr>
+                                      <p:to>
+                                        <p:strVal val="visible"/>
+                                      </p:to>
+                                    </p:set>
+                                    <p:anim calcmode="lin" valueType="num">
+                                      <p:cBhvr additive="base">
+                                        <p:cTn id="25" dur="500" fill="hold"/>
+                                        <p:tgtEl>
+                                          <p:spTgt spid="6"/>
+                                        </p:tgtEl>
+                                        <p:attrNameLst>
+                                          <p:attrName>ppt_x</p:attrName>
+                                        </p:attrNameLst>
+                                      </p:cBhvr>
+                                      <p:tavLst>
+                                        <p:tav tm="0">
+                                          <p:val>
+                                            <p:strVal val="#ppt_x"/>
+                                          </p:val>
+                                        </p:tav>
+                                        <p:tav tm="100000">
+                                          <p:val>
+                                            <p:strVal val="#ppt_x"/>
+                                          </p:val>
+                                        </p:tav>
+                                      </p:tavLst>
+                                    </p:anim>
+                                    <p:anim calcmode="lin" valueType="num">
+                                      <p:cBhvr additive="base">
+                                        <p:cTn id="26" dur="500" fill="hold"/>
+                                        <p:tgtEl>
+                                          <p:spTgt spid="6"/>
+                                        </p:tgtEl>
+                                        <p:attrNameLst>
+                                          <p:attrName>ppt_y</p:attrName>
+                                        </p:attrNameLst>
+                                      </p:cBhvr>
+                                      <p:tavLst>
+                                        <p:tav tm="0">
+                                          <p:val>
+                                            <p:strVal val="1+#ppt_h/2"/>
+                                          </p:val>
+                                        </p:tav>
+                                        <p:tav tm="100000">
+                                          <p:val>
+                                            <p:strVal val="#ppt_y"/>
+                                          </p:val>
+                                        </p:tav>
+                                      </p:tavLst>
+                                    </p:anim>
+                                  </p:childTnLst>
+                                </p:cTn>
+                              </p:par>
+                            </p:childTnLst>
+                          </p:cTn>
+                        </p:par>
+                      </p:childTnLst>
+                    </p:cTn>
+                  </p:par>
+                  <p:par>
+                    <p:cTn id="27" fill="hold">
+                      <p:stCondLst>
+                        <p:cond delay="indefinite"/>
+                      </p:stCondLst>
+                      <p:childTnLst>
+                        <p:par>
+                          <p:cTn id="28" fill="hold">
+                            <p:stCondLst>
+                              <p:cond delay="0"/>
+                            </p:stCondLst>
+                            <p:childTnLst>
+                              <p:par>
+                                <p:cTn id="29" presetID="2" presetClass="entr" presetSubtype="4" fill="hold" grpId="0" nodeType="clickEffect">
+                                  <p:stCondLst>
+                                    <p:cond delay="0"/>
+                                  </p:stCondLst>
+                                  <p:childTnLst>
+                                    <p:set>
+                                      <p:cBhvr>
+                                        <p:cTn id="30" dur="1" fill="hold">
+                                          <p:stCondLst>
+                                            <p:cond delay="0"/>
+                                          </p:stCondLst>
+                                        </p:cTn>
+                                        <p:tgtEl>
+                                          <p:spTgt spid="7"/>
+                                        </p:tgtEl>
+                                        <p:attrNameLst>
+                                          <p:attrName>style.visibility</p:attrName>
+                                        </p:attrNameLst>
+                                      </p:cBhvr>
+                                      <p:to>
+                                        <p:strVal val="visible"/>
+                                      </p:to>
+                                    </p:set>
+                                    <p:anim calcmode="lin" valueType="num">
+                                      <p:cBhvr additive="base">
+                                        <p:cTn id="31" dur="500" fill="hold"/>
+                                        <p:tgtEl>
+                                          <p:spTgt spid="7"/>
+                                        </p:tgtEl>
+                                        <p:attrNameLst>
+                                          <p:attrName>ppt_x</p:attrName>
+                                        </p:attrNameLst>
+                                      </p:cBhvr>
+                                      <p:tavLst>
+                                        <p:tav tm="0">
+                                          <p:val>
+                                            <p:strVal val="#ppt_x"/>
+                                          </p:val>
+                                        </p:tav>
+                                        <p:tav tm="100000">
+                                          <p:val>
+                                            <p:strVal val="#ppt_x"/>
+                                          </p:val>
+                                        </p:tav>
+                                      </p:tavLst>
+                                    </p:anim>
+                                    <p:anim calcmode="lin" valueType="num">
+                                      <p:cBhvr additive="base">
+                                        <p:cTn id="32" dur="500" fill="hold"/>
+                                        <p:tgtEl>
+                                          <p:spTgt spid="7"/>
+                                        </p:tgtEl>
+                                        <p:attrNameLst>
+                                          <p:attrName>ppt_y</p:attrName>
+                                        </p:attrNameLst>
+                                      </p:cBhvr>
+                                      <p:tavLst>
+                                        <p:tav tm="0">
+                                          <p:val>
+                                            <p:strVal val="1+#ppt_h/2"/>
+                                          </p:val>
+                                        </p:tav>
+                                        <p:tav tm="100000">
+                                          <p:val>
+                                            <p:strVal val="#ppt_y"/>
+                                          </p:val>
+                                        </p:tav>
+                                      </p:tavLst>
+                                    </p:anim>
+                                  </p:childTnLst>
+                                </p:cTn>
+                              </p:par>
+                            </p:childTnLst>
+                          </p:cTn>
+                        </p:par>
+                      </p:childTnLst>
+                    </p:cTn>
+                  </p:par>
+                </p:childTnLst>
+              </p:cTn>
+              <p:prevCondLst>
+                <p:cond evt="onPrev" delay="0">
+                  <p:tgtEl>
+                    <p:sldTgt/>
+                  </p:tgtEl>
+                </p:cond>
+              </p:prevCondLst>
+              <p:nextCondLst>
+                <p:cond evt="onNext" delay="0">
+                  <p:tgtEl>
+                    <p:sldTgt/>
+                  </p:tgtEl>
+                </p:cond>
+              </p:nextCondLst>
+            </p:seq>
+          </p:childTnLst>
+        </p:cTn>
       </p:par>
     </p:tnLst>
+    <p:bldLst>
+      <p:bldP spid="3" grpId="0"/>
+      <p:bldP spid="4" grpId="0"/>
+      <p:bldP spid="5" grpId="0"/>
+      <p:bldP spid="6" grpId="0"/>
+      <p:bldP spid="7" grpId="0"/>
+    </p:bldLst>
   </p:timing>
 </p:sld>
 </file>
@@ -12494,7 +13031,6 @@
             <a:pPr algn="ctr"/>
             <a:r>
               <a:rPr lang="zh-CN" altLang="en-US" sz="2800">
-                <a:ln/>
                 <a:solidFill>
                   <a:schemeClr val="tx1"/>
                 </a:solidFill>
@@ -12509,7 +13045,6 @@
               <a:t>今天讨论的目的</a:t>
             </a:r>
             <a:endParaRPr lang="zh-CN" altLang="en-US" sz="2800">
-              <a:ln/>
               <a:solidFill>
                 <a:schemeClr val="tx1"/>
               </a:solidFill>
@@ -12548,7 +13083,6 @@
             <a:pPr algn="ctr"/>
             <a:r>
               <a:rPr lang="zh-CN" altLang="en-US" sz="3200">
-                <a:ln/>
                 <a:solidFill>
                   <a:schemeClr val="tx1"/>
                 </a:solidFill>
@@ -12564,7 +13098,6 @@
               <a:t>不是讨论怎么做，而是讨论该测什么。</a:t>
             </a:r>
             <a:endParaRPr lang="zh-CN" altLang="en-US" sz="3200">
-              <a:ln/>
               <a:solidFill>
                 <a:schemeClr val="tx1"/>
               </a:solidFill>
@@ -12580,6 +13113,30 @@
           </a:p>
         </p:txBody>
       </p:sp>
+      <p:pic>
+        <p:nvPicPr>
+          <p:cNvPr id="7" name="图片 6" descr="和谐——无底"/>
+          <p:cNvPicPr>
+            <a:picLocks noChangeAspect="1"/>
+          </p:cNvPicPr>
+          <p:nvPr/>
+        </p:nvPicPr>
+        <p:blipFill>
+          <a:blip r:embed="rId1"/>
+          <a:stretch>
+            <a:fillRect/>
+          </a:stretch>
+        </p:blipFill>
+        <p:spPr>
+          <a:xfrm>
+            <a:off x="4280535" y="2035175"/>
+            <a:ext cx="3800475" cy="4752975"/>
+          </a:xfrm>
+          <a:prstGeom prst="rect">
+            <a:avLst/>
+          </a:prstGeom>
+        </p:spPr>
+      </p:pic>
     </p:spTree>
   </p:cSld>
   <p:clrMapOvr>
@@ -12669,6 +13226,97 @@
                                         <p:cTn id="8" dur="500" fill="hold"/>
                                         <p:tgtEl>
                                           <p:spTgt spid="4"/>
+                                        </p:tgtEl>
+                                        <p:attrNameLst>
+                                          <p:attrName>ppt_y</p:attrName>
+                                        </p:attrNameLst>
+                                      </p:cBhvr>
+                                      <p:tavLst>
+                                        <p:tav tm="0">
+                                          <p:val>
+                                            <p:strVal val="1+#ppt_h/2"/>
+                                          </p:val>
+                                        </p:tav>
+                                        <p:tav tm="100000">
+                                          <p:val>
+                                            <p:strVal val="#ppt_y"/>
+                                          </p:val>
+                                        </p:tav>
+                                      </p:tavLst>
+                                    </p:anim>
+                                  </p:childTnLst>
+                                </p:cTn>
+                              </p:par>
+                            </p:childTnLst>
+                          </p:cTn>
+                        </p:par>
+                      </p:childTnLst>
+                    </p:cTn>
+                  </p:par>
+                  <p:par>
+                    <p:cTn id="9" fill="hold">
+                      <p:stCondLst>
+                        <p:cond delay="indefinite"/>
+                      </p:stCondLst>
+                      <p:childTnLst>
+                        <p:par>
+                          <p:cTn id="10" fill="hold">
+                            <p:stCondLst>
+                              <p:cond delay="0"/>
+                            </p:stCondLst>
+                            <p:childTnLst>
+                              <p:par>
+                                <p:cTn id="11" presetID="2" presetClass="entr" presetSubtype="4" fill="hold" nodeType="clickEffect">
+                                  <p:stCondLst>
+                                    <p:cond delay="0"/>
+                                  </p:stCondLst>
+                                  <p:childTnLst>
+                                    <p:set>
+                                      <p:cBhvr>
+                                        <p:cTn id="12" dur="1" fill="hold">
+                                          <p:stCondLst>
+                                            <p:cond delay="0"/>
+                                          </p:stCondLst>
+                                        </p:cTn>
+                                        <p:tgtEl>
+                                          <p:spTgt spid="7"/>
+                                        </p:tgtEl>
+                                        <p:attrNameLst>
+                                          <p:attrName>style.visibility</p:attrName>
+                                        </p:attrNameLst>
+                                      </p:cBhvr>
+                                      <p:to>
+                                        <p:strVal val="visible"/>
+                                      </p:to>
+                                    </p:set>
+                                    <p:anim calcmode="lin" valueType="num">
+                                      <p:cBhvr additive="base">
+                                        <p:cTn id="13" dur="500" fill="hold"/>
+                                        <p:tgtEl>
+                                          <p:spTgt spid="7"/>
+                                        </p:tgtEl>
+                                        <p:attrNameLst>
+                                          <p:attrName>ppt_x</p:attrName>
+                                        </p:attrNameLst>
+                                      </p:cBhvr>
+                                      <p:tavLst>
+                                        <p:tav tm="0">
+                                          <p:val>
+                                            <p:strVal val="#ppt_x"/>
+                                          </p:val>
+                                        </p:tav>
+                                        <p:tav tm="100000">
+                                          <p:val>
+                                            <p:strVal val="#ppt_x"/>
+                                          </p:val>
+                                        </p:tav>
+                                      </p:tavLst>
+                                    </p:anim>
+                                    <p:anim calcmode="lin" valueType="num">
+                                      <p:cBhvr additive="base">
+                                        <p:cTn id="14" dur="500" fill="hold"/>
+                                        <p:tgtEl>
+                                          <p:spTgt spid="7"/>
                                         </p:tgtEl>
                                         <p:attrNameLst>
                                           <p:attrName>ppt_y</p:attrName>
@@ -14567,8 +15215,9 @@
                 </a:solidFill>
                 <a:latin typeface="微软雅黑 Light" panose="020B0502040204020203" pitchFamily="34" charset="-122"/>
                 <a:ea typeface="微软雅黑 Light" panose="020B0502040204020203" pitchFamily="34" charset="-122"/>
+                <a:sym typeface="+mn-ea"/>
               </a:rPr>
-              <a:t>该测试什么</a:t>
+              <a:t>存在哪些问题</a:t>
             </a:r>
             <a:endParaRPr lang="zh-CN" altLang="en-US" sz="3600" dirty="0">
               <a:solidFill>
@@ -14610,8 +15259,9 @@
                 </a:solidFill>
                 <a:latin typeface="微软雅黑 Light" panose="020B0502040204020203" pitchFamily="34" charset="-122"/>
                 <a:ea typeface="微软雅黑 Light" panose="020B0502040204020203" pitchFamily="34" charset="-122"/>
+                <a:sym typeface="+mn-ea"/>
               </a:rPr>
-              <a:t>存在哪些问题</a:t>
+              <a:t>如何解决问题</a:t>
             </a:r>
             <a:endParaRPr lang="zh-CN" altLang="en-US" sz="3600" dirty="0">
               <a:solidFill>
@@ -15443,826 +16093,6 @@
           </a:p>
         </p:txBody>
       </p:sp>
-      <p:sp>
-        <p:nvSpPr>
-          <p:cNvPr id="66" name="文本框 65"/>
-          <p:cNvSpPr txBox="1"/>
-          <p:nvPr/>
-        </p:nvSpPr>
-        <p:spPr>
-          <a:xfrm>
-            <a:off x="5012292" y="5069654"/>
-            <a:ext cx="3449346" cy="645160"/>
-          </a:xfrm>
-          <a:prstGeom prst="rect">
-            <a:avLst/>
-          </a:prstGeom>
-          <a:noFill/>
-        </p:spPr>
-        <p:txBody>
-          <a:bodyPr wrap="square" rtlCol="0">
-            <a:spAutoFit/>
-          </a:bodyPr>
-          <a:lstStyle/>
-          <a:p>
-            <a:pPr algn="ctr"/>
-            <a:r>
-              <a:rPr lang="zh-CN" altLang="en-US" sz="3600" dirty="0">
-                <a:solidFill>
-                  <a:srgbClr val="413B39"/>
-                </a:solidFill>
-                <a:latin typeface="微软雅黑 Light" panose="020B0502040204020203" pitchFamily="34" charset="-122"/>
-                <a:ea typeface="微软雅黑 Light" panose="020B0502040204020203" pitchFamily="34" charset="-122"/>
-              </a:rPr>
-              <a:t>如何解决问题</a:t>
-            </a:r>
-            <a:endParaRPr lang="zh-CN" altLang="en-US" sz="3600" dirty="0">
-              <a:solidFill>
-                <a:srgbClr val="413B39"/>
-              </a:solidFill>
-              <a:latin typeface="微软雅黑 Light" panose="020B0502040204020203" pitchFamily="34" charset="-122"/>
-              <a:ea typeface="微软雅黑 Light" panose="020B0502040204020203" pitchFamily="34" charset="-122"/>
-            </a:endParaRPr>
-          </a:p>
-        </p:txBody>
-      </p:sp>
-      <p:grpSp>
-        <p:nvGrpSpPr>
-          <p:cNvPr id="67" name="组合 66"/>
-          <p:cNvGrpSpPr/>
-          <p:nvPr/>
-        </p:nvGrpSpPr>
-        <p:grpSpPr>
-          <a:xfrm>
-            <a:off x="4146118" y="4942882"/>
-            <a:ext cx="888418" cy="883238"/>
-            <a:chOff x="4165039" y="5019300"/>
-            <a:chExt cx="888418" cy="883238"/>
-          </a:xfrm>
-        </p:grpSpPr>
-        <p:grpSp>
-          <p:nvGrpSpPr>
-            <p:cNvPr id="68" name="组合 67"/>
-            <p:cNvGrpSpPr/>
-            <p:nvPr/>
-          </p:nvGrpSpPr>
-          <p:grpSpPr>
-            <a:xfrm>
-              <a:off x="4165039" y="5019300"/>
-              <a:ext cx="888418" cy="883238"/>
-              <a:chOff x="5641059" y="3248083"/>
-              <a:chExt cx="918415" cy="913060"/>
-            </a:xfrm>
-          </p:grpSpPr>
-          <p:sp>
-            <p:nvSpPr>
-              <p:cNvPr id="77" name="任意多边形 76"/>
-              <p:cNvSpPr/>
-              <p:nvPr/>
-            </p:nvSpPr>
-            <p:spPr>
-              <a:xfrm>
-                <a:off x="5912746" y="3248083"/>
-                <a:ext cx="370248" cy="187929"/>
-              </a:xfrm>
-              <a:custGeom>
-                <a:avLst/>
-                <a:gdLst>
-                  <a:gd name="connsiteX0" fmla="*/ 0 w 370248"/>
-                  <a:gd name="connsiteY0" fmla="*/ 182319 h 187929"/>
-                  <a:gd name="connsiteX1" fmla="*/ 179514 w 370248"/>
-                  <a:gd name="connsiteY1" fmla="*/ 0 h 187929"/>
-                  <a:gd name="connsiteX2" fmla="*/ 370248 w 370248"/>
-                  <a:gd name="connsiteY2" fmla="*/ 187929 h 187929"/>
-                </a:gdLst>
-                <a:ahLst/>
-                <a:cxnLst>
-                  <a:cxn ang="0">
-                    <a:pos x="connsiteX0" y="connsiteY0"/>
-                  </a:cxn>
-                  <a:cxn ang="0">
-                    <a:pos x="connsiteX1" y="connsiteY1"/>
-                  </a:cxn>
-                  <a:cxn ang="0">
-                    <a:pos x="connsiteX2" y="connsiteY2"/>
-                  </a:cxn>
-                </a:cxnLst>
-                <a:rect l="l" t="t" r="r" b="b"/>
-                <a:pathLst>
-                  <a:path w="370248" h="187929">
-                    <a:moveTo>
-                      <a:pt x="0" y="182319"/>
-                    </a:moveTo>
-                    <a:lnTo>
-                      <a:pt x="179514" y="0"/>
-                    </a:lnTo>
-                    <a:lnTo>
-                      <a:pt x="370248" y="187929"/>
-                    </a:lnTo>
-                  </a:path>
-                </a:pathLst>
-              </a:custGeom>
-              <a:noFill/>
-              <a:ln>
-                <a:solidFill>
-                  <a:schemeClr val="accent1"/>
-                </a:solidFill>
-              </a:ln>
-            </p:spPr>
-            <p:style>
-              <a:lnRef idx="2">
-                <a:schemeClr val="accent1">
-                  <a:shade val="50000"/>
-                </a:schemeClr>
-              </a:lnRef>
-              <a:fillRef idx="1">
-                <a:schemeClr val="accent1"/>
-              </a:fillRef>
-              <a:effectRef idx="0">
-                <a:schemeClr val="accent1"/>
-              </a:effectRef>
-              <a:fontRef idx="minor">
-                <a:schemeClr val="lt1"/>
-              </a:fontRef>
-            </p:style>
-            <p:txBody>
-              <a:bodyPr rtlCol="0" anchor="ctr"/>
-              <a:lstStyle/>
-              <a:p>
-                <a:pPr algn="ctr"/>
-                <a:endParaRPr lang="zh-CN" altLang="en-US">
-                  <a:solidFill>
-                    <a:srgbClr val="413B39"/>
-                  </a:solidFill>
-                  <a:latin typeface="方正兰亭超细黑简体" panose="02000000000000000000" pitchFamily="2" charset="-122"/>
-                  <a:ea typeface="方正兰亭超细黑简体" panose="02000000000000000000" pitchFamily="2" charset="-122"/>
-                </a:endParaRPr>
-              </a:p>
-            </p:txBody>
-          </p:sp>
-          <p:sp>
-            <p:nvSpPr>
-              <p:cNvPr id="78" name="任意多边形 77"/>
-              <p:cNvSpPr/>
-              <p:nvPr/>
-            </p:nvSpPr>
-            <p:spPr>
-              <a:xfrm rot="16200000">
-                <a:off x="5549900" y="3604562"/>
-                <a:ext cx="370248" cy="187929"/>
-              </a:xfrm>
-              <a:custGeom>
-                <a:avLst/>
-                <a:gdLst>
-                  <a:gd name="connsiteX0" fmla="*/ 0 w 370248"/>
-                  <a:gd name="connsiteY0" fmla="*/ 182319 h 187929"/>
-                  <a:gd name="connsiteX1" fmla="*/ 179514 w 370248"/>
-                  <a:gd name="connsiteY1" fmla="*/ 0 h 187929"/>
-                  <a:gd name="connsiteX2" fmla="*/ 370248 w 370248"/>
-                  <a:gd name="connsiteY2" fmla="*/ 187929 h 187929"/>
-                </a:gdLst>
-                <a:ahLst/>
-                <a:cxnLst>
-                  <a:cxn ang="0">
-                    <a:pos x="connsiteX0" y="connsiteY0"/>
-                  </a:cxn>
-                  <a:cxn ang="0">
-                    <a:pos x="connsiteX1" y="connsiteY1"/>
-                  </a:cxn>
-                  <a:cxn ang="0">
-                    <a:pos x="connsiteX2" y="connsiteY2"/>
-                  </a:cxn>
-                </a:cxnLst>
-                <a:rect l="l" t="t" r="r" b="b"/>
-                <a:pathLst>
-                  <a:path w="370248" h="187929">
-                    <a:moveTo>
-                      <a:pt x="0" y="182319"/>
-                    </a:moveTo>
-                    <a:lnTo>
-                      <a:pt x="179514" y="0"/>
-                    </a:lnTo>
-                    <a:lnTo>
-                      <a:pt x="370248" y="187929"/>
-                    </a:lnTo>
-                  </a:path>
-                </a:pathLst>
-              </a:custGeom>
-              <a:noFill/>
-              <a:ln>
-                <a:solidFill>
-                  <a:schemeClr val="accent1"/>
-                </a:solidFill>
-              </a:ln>
-            </p:spPr>
-            <p:style>
-              <a:lnRef idx="2">
-                <a:schemeClr val="accent1">
-                  <a:shade val="50000"/>
-                </a:schemeClr>
-              </a:lnRef>
-              <a:fillRef idx="1">
-                <a:schemeClr val="accent1"/>
-              </a:fillRef>
-              <a:effectRef idx="0">
-                <a:schemeClr val="accent1"/>
-              </a:effectRef>
-              <a:fontRef idx="minor">
-                <a:schemeClr val="lt1"/>
-              </a:fontRef>
-            </p:style>
-            <p:txBody>
-              <a:bodyPr rtlCol="0" anchor="ctr"/>
-              <a:lstStyle/>
-              <a:p>
-                <a:pPr algn="ctr"/>
-                <a:endParaRPr lang="zh-CN" altLang="en-US">
-                  <a:solidFill>
-                    <a:srgbClr val="413B39"/>
-                  </a:solidFill>
-                  <a:latin typeface="方正兰亭超细黑简体" panose="02000000000000000000" pitchFamily="2" charset="-122"/>
-                  <a:ea typeface="方正兰亭超细黑简体" panose="02000000000000000000" pitchFamily="2" charset="-122"/>
-                </a:endParaRPr>
-              </a:p>
-            </p:txBody>
-          </p:sp>
-          <p:sp>
-            <p:nvSpPr>
-              <p:cNvPr id="79" name="任意多边形 78"/>
-              <p:cNvSpPr/>
-              <p:nvPr/>
-            </p:nvSpPr>
-            <p:spPr>
-              <a:xfrm rot="16200000" flipH="1" flipV="1">
-                <a:off x="6280386" y="3612238"/>
-                <a:ext cx="370248" cy="187929"/>
-              </a:xfrm>
-              <a:custGeom>
-                <a:avLst/>
-                <a:gdLst>
-                  <a:gd name="connsiteX0" fmla="*/ 0 w 370248"/>
-                  <a:gd name="connsiteY0" fmla="*/ 182319 h 187929"/>
-                  <a:gd name="connsiteX1" fmla="*/ 179514 w 370248"/>
-                  <a:gd name="connsiteY1" fmla="*/ 0 h 187929"/>
-                  <a:gd name="connsiteX2" fmla="*/ 370248 w 370248"/>
-                  <a:gd name="connsiteY2" fmla="*/ 187929 h 187929"/>
-                </a:gdLst>
-                <a:ahLst/>
-                <a:cxnLst>
-                  <a:cxn ang="0">
-                    <a:pos x="connsiteX0" y="connsiteY0"/>
-                  </a:cxn>
-                  <a:cxn ang="0">
-                    <a:pos x="connsiteX1" y="connsiteY1"/>
-                  </a:cxn>
-                  <a:cxn ang="0">
-                    <a:pos x="connsiteX2" y="connsiteY2"/>
-                  </a:cxn>
-                </a:cxnLst>
-                <a:rect l="l" t="t" r="r" b="b"/>
-                <a:pathLst>
-                  <a:path w="370248" h="187929">
-                    <a:moveTo>
-                      <a:pt x="0" y="182319"/>
-                    </a:moveTo>
-                    <a:lnTo>
-                      <a:pt x="179514" y="0"/>
-                    </a:lnTo>
-                    <a:lnTo>
-                      <a:pt x="370248" y="187929"/>
-                    </a:lnTo>
-                  </a:path>
-                </a:pathLst>
-              </a:custGeom>
-              <a:noFill/>
-              <a:ln>
-                <a:solidFill>
-                  <a:schemeClr val="accent1"/>
-                </a:solidFill>
-              </a:ln>
-            </p:spPr>
-            <p:style>
-              <a:lnRef idx="2">
-                <a:schemeClr val="accent1">
-                  <a:shade val="50000"/>
-                </a:schemeClr>
-              </a:lnRef>
-              <a:fillRef idx="1">
-                <a:schemeClr val="accent1"/>
-              </a:fillRef>
-              <a:effectRef idx="0">
-                <a:schemeClr val="accent1"/>
-              </a:effectRef>
-              <a:fontRef idx="minor">
-                <a:schemeClr val="lt1"/>
-              </a:fontRef>
-            </p:style>
-            <p:txBody>
-              <a:bodyPr rtlCol="0" anchor="ctr"/>
-              <a:lstStyle/>
-              <a:p>
-                <a:pPr algn="ctr"/>
-                <a:endParaRPr lang="zh-CN" altLang="en-US">
-                  <a:solidFill>
-                    <a:srgbClr val="413B39"/>
-                  </a:solidFill>
-                  <a:latin typeface="方正兰亭超细黑简体" panose="02000000000000000000" pitchFamily="2" charset="-122"/>
-                  <a:ea typeface="方正兰亭超细黑简体" panose="02000000000000000000" pitchFamily="2" charset="-122"/>
-                </a:endParaRPr>
-              </a:p>
-            </p:txBody>
-          </p:sp>
-          <p:sp>
-            <p:nvSpPr>
-              <p:cNvPr id="80" name="任意多边形 79"/>
-              <p:cNvSpPr/>
-              <p:nvPr/>
-            </p:nvSpPr>
-            <p:spPr>
-              <a:xfrm flipV="1">
-                <a:off x="5910876" y="3973214"/>
-                <a:ext cx="370248" cy="187929"/>
-              </a:xfrm>
-              <a:custGeom>
-                <a:avLst/>
-                <a:gdLst>
-                  <a:gd name="connsiteX0" fmla="*/ 0 w 370248"/>
-                  <a:gd name="connsiteY0" fmla="*/ 182319 h 187929"/>
-                  <a:gd name="connsiteX1" fmla="*/ 179514 w 370248"/>
-                  <a:gd name="connsiteY1" fmla="*/ 0 h 187929"/>
-                  <a:gd name="connsiteX2" fmla="*/ 370248 w 370248"/>
-                  <a:gd name="connsiteY2" fmla="*/ 187929 h 187929"/>
-                </a:gdLst>
-                <a:ahLst/>
-                <a:cxnLst>
-                  <a:cxn ang="0">
-                    <a:pos x="connsiteX0" y="connsiteY0"/>
-                  </a:cxn>
-                  <a:cxn ang="0">
-                    <a:pos x="connsiteX1" y="connsiteY1"/>
-                  </a:cxn>
-                  <a:cxn ang="0">
-                    <a:pos x="connsiteX2" y="connsiteY2"/>
-                  </a:cxn>
-                </a:cxnLst>
-                <a:rect l="l" t="t" r="r" b="b"/>
-                <a:pathLst>
-                  <a:path w="370248" h="187929">
-                    <a:moveTo>
-                      <a:pt x="0" y="182319"/>
-                    </a:moveTo>
-                    <a:lnTo>
-                      <a:pt x="179514" y="0"/>
-                    </a:lnTo>
-                    <a:lnTo>
-                      <a:pt x="370248" y="187929"/>
-                    </a:lnTo>
-                  </a:path>
-                </a:pathLst>
-              </a:custGeom>
-              <a:noFill/>
-              <a:ln>
-                <a:solidFill>
-                  <a:schemeClr val="accent1"/>
-                </a:solidFill>
-              </a:ln>
-            </p:spPr>
-            <p:style>
-              <a:lnRef idx="2">
-                <a:schemeClr val="accent1">
-                  <a:shade val="50000"/>
-                </a:schemeClr>
-              </a:lnRef>
-              <a:fillRef idx="1">
-                <a:schemeClr val="accent1"/>
-              </a:fillRef>
-              <a:effectRef idx="0">
-                <a:schemeClr val="accent1"/>
-              </a:effectRef>
-              <a:fontRef idx="minor">
-                <a:schemeClr val="lt1"/>
-              </a:fontRef>
-            </p:style>
-            <p:txBody>
-              <a:bodyPr rtlCol="0" anchor="ctr"/>
-              <a:lstStyle/>
-              <a:p>
-                <a:pPr algn="ctr"/>
-                <a:endParaRPr lang="zh-CN" altLang="en-US">
-                  <a:solidFill>
-                    <a:srgbClr val="413B39"/>
-                  </a:solidFill>
-                  <a:latin typeface="方正兰亭超细黑简体" panose="02000000000000000000" pitchFamily="2" charset="-122"/>
-                  <a:ea typeface="方正兰亭超细黑简体" panose="02000000000000000000" pitchFamily="2" charset="-122"/>
-                </a:endParaRPr>
-              </a:p>
-            </p:txBody>
-          </p:sp>
-        </p:grpSp>
-        <p:grpSp>
-          <p:nvGrpSpPr>
-            <p:cNvPr id="69" name="组合 68"/>
-            <p:cNvGrpSpPr/>
-            <p:nvPr/>
-          </p:nvGrpSpPr>
-          <p:grpSpPr>
-            <a:xfrm>
-              <a:off x="4366786" y="5213003"/>
-              <a:ext cx="483672" cy="489216"/>
-              <a:chOff x="4359930" y="2498290"/>
-              <a:chExt cx="1019358" cy="1031042"/>
-            </a:xfrm>
-          </p:grpSpPr>
-          <p:grpSp>
-            <p:nvGrpSpPr>
-              <p:cNvPr id="71" name="组合 70"/>
-              <p:cNvGrpSpPr/>
-              <p:nvPr/>
-            </p:nvGrpSpPr>
-            <p:grpSpPr>
-              <a:xfrm>
-                <a:off x="4361859" y="2498290"/>
-                <a:ext cx="1014596" cy="415536"/>
-                <a:chOff x="4361859" y="2498290"/>
-                <a:chExt cx="1014596" cy="415536"/>
-              </a:xfrm>
-            </p:grpSpPr>
-            <p:sp>
-              <p:nvSpPr>
-                <p:cNvPr id="75" name="任意多边形 74"/>
-                <p:cNvSpPr/>
-                <p:nvPr/>
-              </p:nvSpPr>
-              <p:spPr>
-                <a:xfrm rot="10800000">
-                  <a:off x="4361859" y="2498290"/>
-                  <a:ext cx="413154" cy="413241"/>
-                </a:xfrm>
-                <a:custGeom>
-                  <a:avLst/>
-                  <a:gdLst>
-                    <a:gd name="connsiteX0" fmla="*/ 0 w 263309"/>
-                    <a:gd name="connsiteY0" fmla="*/ 263309 h 263309"/>
-                    <a:gd name="connsiteX1" fmla="*/ 263309 w 263309"/>
-                    <a:gd name="connsiteY1" fmla="*/ 0 h 263309"/>
-                  </a:gdLst>
-                  <a:ahLst/>
-                  <a:cxnLst>
-                    <a:cxn ang="0">
-                      <a:pos x="connsiteX0" y="connsiteY0"/>
-                    </a:cxn>
-                    <a:cxn ang="0">
-                      <a:pos x="connsiteX1" y="connsiteY1"/>
-                    </a:cxn>
-                  </a:cxnLst>
-                  <a:rect l="l" t="t" r="r" b="b"/>
-                  <a:pathLst>
-                    <a:path w="263309" h="263309">
-                      <a:moveTo>
-                        <a:pt x="0" y="263309"/>
-                      </a:moveTo>
-                      <a:lnTo>
-                        <a:pt x="263309" y="0"/>
-                      </a:lnTo>
-                    </a:path>
-                  </a:pathLst>
-                </a:custGeom>
-                <a:noFill/>
-                <a:ln>
-                  <a:solidFill>
-                    <a:schemeClr val="accent1"/>
-                  </a:solidFill>
-                </a:ln>
-              </p:spPr>
-              <p:style>
-                <a:lnRef idx="2">
-                  <a:schemeClr val="accent1">
-                    <a:shade val="50000"/>
-                  </a:schemeClr>
-                </a:lnRef>
-                <a:fillRef idx="1">
-                  <a:schemeClr val="accent1"/>
-                </a:fillRef>
-                <a:effectRef idx="0">
-                  <a:schemeClr val="accent1"/>
-                </a:effectRef>
-                <a:fontRef idx="minor">
-                  <a:schemeClr val="lt1"/>
-                </a:fontRef>
-              </p:style>
-              <p:txBody>
-                <a:bodyPr rtlCol="0" anchor="ctr"/>
-                <a:lstStyle/>
-                <a:p>
-                  <a:pPr algn="ctr"/>
-                  <a:endParaRPr lang="zh-CN" altLang="en-US">
-                    <a:solidFill>
-                      <a:srgbClr val="413B39"/>
-                    </a:solidFill>
-                    <a:latin typeface="方正兰亭超细黑简体" panose="02000000000000000000" pitchFamily="2" charset="-122"/>
-                    <a:ea typeface="方正兰亭超细黑简体" panose="02000000000000000000" pitchFamily="2" charset="-122"/>
-                  </a:endParaRPr>
-                </a:p>
-              </p:txBody>
-            </p:sp>
-            <p:sp>
-              <p:nvSpPr>
-                <p:cNvPr id="76" name="任意多边形 75"/>
-                <p:cNvSpPr/>
-                <p:nvPr/>
-              </p:nvSpPr>
-              <p:spPr>
-                <a:xfrm rot="5400000">
-                  <a:off x="4963258" y="2500628"/>
-                  <a:ext cx="413154" cy="413241"/>
-                </a:xfrm>
-                <a:custGeom>
-                  <a:avLst/>
-                  <a:gdLst>
-                    <a:gd name="connsiteX0" fmla="*/ 0 w 263309"/>
-                    <a:gd name="connsiteY0" fmla="*/ 263309 h 263309"/>
-                    <a:gd name="connsiteX1" fmla="*/ 263309 w 263309"/>
-                    <a:gd name="connsiteY1" fmla="*/ 0 h 263309"/>
-                  </a:gdLst>
-                  <a:ahLst/>
-                  <a:cxnLst>
-                    <a:cxn ang="0">
-                      <a:pos x="connsiteX0" y="connsiteY0"/>
-                    </a:cxn>
-                    <a:cxn ang="0">
-                      <a:pos x="connsiteX1" y="connsiteY1"/>
-                    </a:cxn>
-                  </a:cxnLst>
-                  <a:rect l="l" t="t" r="r" b="b"/>
-                  <a:pathLst>
-                    <a:path w="263309" h="263309">
-                      <a:moveTo>
-                        <a:pt x="0" y="263309"/>
-                      </a:moveTo>
-                      <a:lnTo>
-                        <a:pt x="263309" y="0"/>
-                      </a:lnTo>
-                    </a:path>
-                  </a:pathLst>
-                </a:custGeom>
-                <a:noFill/>
-                <a:ln>
-                  <a:solidFill>
-                    <a:schemeClr val="accent1"/>
-                  </a:solidFill>
-                </a:ln>
-              </p:spPr>
-              <p:style>
-                <a:lnRef idx="2">
-                  <a:schemeClr val="accent1">
-                    <a:shade val="50000"/>
-                  </a:schemeClr>
-                </a:lnRef>
-                <a:fillRef idx="1">
-                  <a:schemeClr val="accent1"/>
-                </a:fillRef>
-                <a:effectRef idx="0">
-                  <a:schemeClr val="accent1"/>
-                </a:effectRef>
-                <a:fontRef idx="minor">
-                  <a:schemeClr val="lt1"/>
-                </a:fontRef>
-              </p:style>
-              <p:txBody>
-                <a:bodyPr rtlCol="0" anchor="ctr"/>
-                <a:lstStyle/>
-                <a:p>
-                  <a:pPr algn="ctr"/>
-                  <a:endParaRPr lang="zh-CN" altLang="en-US">
-                    <a:solidFill>
-                      <a:srgbClr val="413B39"/>
-                    </a:solidFill>
-                    <a:latin typeface="方正兰亭超细黑简体" panose="02000000000000000000" pitchFamily="2" charset="-122"/>
-                    <a:ea typeface="方正兰亭超细黑简体" panose="02000000000000000000" pitchFamily="2" charset="-122"/>
-                  </a:endParaRPr>
-                </a:p>
-              </p:txBody>
-            </p:sp>
-          </p:grpSp>
-          <p:grpSp>
-            <p:nvGrpSpPr>
-              <p:cNvPr id="72" name="组合 71"/>
-              <p:cNvGrpSpPr/>
-              <p:nvPr/>
-            </p:nvGrpSpPr>
-            <p:grpSpPr>
-              <a:xfrm flipV="1">
-                <a:off x="4359930" y="3116091"/>
-                <a:ext cx="1019358" cy="413241"/>
-                <a:chOff x="4359478" y="2503052"/>
-                <a:chExt cx="1019358" cy="413241"/>
-              </a:xfrm>
-            </p:grpSpPr>
-            <p:sp>
-              <p:nvSpPr>
-                <p:cNvPr id="73" name="任意多边形 72"/>
-                <p:cNvSpPr/>
-                <p:nvPr/>
-              </p:nvSpPr>
-              <p:spPr>
-                <a:xfrm rot="10800000">
-                  <a:off x="4359478" y="2503052"/>
-                  <a:ext cx="413154" cy="413241"/>
-                </a:xfrm>
-                <a:custGeom>
-                  <a:avLst/>
-                  <a:gdLst>
-                    <a:gd name="connsiteX0" fmla="*/ 0 w 263309"/>
-                    <a:gd name="connsiteY0" fmla="*/ 263309 h 263309"/>
-                    <a:gd name="connsiteX1" fmla="*/ 263309 w 263309"/>
-                    <a:gd name="connsiteY1" fmla="*/ 0 h 263309"/>
-                  </a:gdLst>
-                  <a:ahLst/>
-                  <a:cxnLst>
-                    <a:cxn ang="0">
-                      <a:pos x="connsiteX0" y="connsiteY0"/>
-                    </a:cxn>
-                    <a:cxn ang="0">
-                      <a:pos x="connsiteX1" y="connsiteY1"/>
-                    </a:cxn>
-                  </a:cxnLst>
-                  <a:rect l="l" t="t" r="r" b="b"/>
-                  <a:pathLst>
-                    <a:path w="263309" h="263309">
-                      <a:moveTo>
-                        <a:pt x="0" y="263309"/>
-                      </a:moveTo>
-                      <a:lnTo>
-                        <a:pt x="263309" y="0"/>
-                      </a:lnTo>
-                    </a:path>
-                  </a:pathLst>
-                </a:custGeom>
-                <a:noFill/>
-                <a:ln>
-                  <a:solidFill>
-                    <a:schemeClr val="accent1"/>
-                  </a:solidFill>
-                </a:ln>
-              </p:spPr>
-              <p:style>
-                <a:lnRef idx="2">
-                  <a:schemeClr val="accent1">
-                    <a:shade val="50000"/>
-                  </a:schemeClr>
-                </a:lnRef>
-                <a:fillRef idx="1">
-                  <a:schemeClr val="accent1"/>
-                </a:fillRef>
-                <a:effectRef idx="0">
-                  <a:schemeClr val="accent1"/>
-                </a:effectRef>
-                <a:fontRef idx="minor">
-                  <a:schemeClr val="lt1"/>
-                </a:fontRef>
-              </p:style>
-              <p:txBody>
-                <a:bodyPr rtlCol="0" anchor="ctr"/>
-                <a:lstStyle/>
-                <a:p>
-                  <a:pPr algn="ctr"/>
-                  <a:endParaRPr lang="zh-CN" altLang="en-US" dirty="0">
-                    <a:solidFill>
-                      <a:srgbClr val="413B39"/>
-                    </a:solidFill>
-                    <a:latin typeface="方正兰亭超细黑简体" panose="02000000000000000000" pitchFamily="2" charset="-122"/>
-                    <a:ea typeface="方正兰亭超细黑简体" panose="02000000000000000000" pitchFamily="2" charset="-122"/>
-                  </a:endParaRPr>
-                </a:p>
-              </p:txBody>
-            </p:sp>
-            <p:sp>
-              <p:nvSpPr>
-                <p:cNvPr id="74" name="任意多边形 73"/>
-                <p:cNvSpPr/>
-                <p:nvPr/>
-              </p:nvSpPr>
-              <p:spPr>
-                <a:xfrm rot="5400000">
-                  <a:off x="4965639" y="2503009"/>
-                  <a:ext cx="413154" cy="413241"/>
-                </a:xfrm>
-                <a:custGeom>
-                  <a:avLst/>
-                  <a:gdLst>
-                    <a:gd name="connsiteX0" fmla="*/ 0 w 263309"/>
-                    <a:gd name="connsiteY0" fmla="*/ 263309 h 263309"/>
-                    <a:gd name="connsiteX1" fmla="*/ 263309 w 263309"/>
-                    <a:gd name="connsiteY1" fmla="*/ 0 h 263309"/>
-                  </a:gdLst>
-                  <a:ahLst/>
-                  <a:cxnLst>
-                    <a:cxn ang="0">
-                      <a:pos x="connsiteX0" y="connsiteY0"/>
-                    </a:cxn>
-                    <a:cxn ang="0">
-                      <a:pos x="connsiteX1" y="connsiteY1"/>
-                    </a:cxn>
-                  </a:cxnLst>
-                  <a:rect l="l" t="t" r="r" b="b"/>
-                  <a:pathLst>
-                    <a:path w="263309" h="263309">
-                      <a:moveTo>
-                        <a:pt x="0" y="263309"/>
-                      </a:moveTo>
-                      <a:lnTo>
-                        <a:pt x="263309" y="0"/>
-                      </a:lnTo>
-                    </a:path>
-                  </a:pathLst>
-                </a:custGeom>
-                <a:noFill/>
-                <a:ln>
-                  <a:solidFill>
-                    <a:schemeClr val="accent1"/>
-                  </a:solidFill>
-                </a:ln>
-              </p:spPr>
-              <p:style>
-                <a:lnRef idx="2">
-                  <a:schemeClr val="accent1">
-                    <a:shade val="50000"/>
-                  </a:schemeClr>
-                </a:lnRef>
-                <a:fillRef idx="1">
-                  <a:schemeClr val="accent1"/>
-                </a:fillRef>
-                <a:effectRef idx="0">
-                  <a:schemeClr val="accent1"/>
-                </a:effectRef>
-                <a:fontRef idx="minor">
-                  <a:schemeClr val="lt1"/>
-                </a:fontRef>
-              </p:style>
-              <p:txBody>
-                <a:bodyPr rtlCol="0" anchor="ctr"/>
-                <a:lstStyle/>
-                <a:p>
-                  <a:pPr algn="ctr"/>
-                  <a:endParaRPr lang="zh-CN" altLang="en-US" dirty="0">
-                    <a:solidFill>
-                      <a:srgbClr val="413B39"/>
-                    </a:solidFill>
-                    <a:latin typeface="方正兰亭超细黑简体" panose="02000000000000000000" pitchFamily="2" charset="-122"/>
-                    <a:ea typeface="方正兰亭超细黑简体" panose="02000000000000000000" pitchFamily="2" charset="-122"/>
-                  </a:endParaRPr>
-                </a:p>
-              </p:txBody>
-            </p:sp>
-          </p:grpSp>
-        </p:grpSp>
-        <p:sp>
-          <p:nvSpPr>
-            <p:cNvPr id="70" name="文本框 69"/>
-            <p:cNvSpPr txBox="1"/>
-            <p:nvPr/>
-          </p:nvSpPr>
-          <p:spPr>
-            <a:xfrm>
-              <a:off x="4260965" y="5247421"/>
-              <a:ext cx="687185" cy="430887"/>
-            </a:xfrm>
-            <a:prstGeom prst="rect">
-              <a:avLst/>
-            </a:prstGeom>
-            <a:noFill/>
-            <a:ln>
-              <a:noFill/>
-            </a:ln>
-          </p:spPr>
-          <p:txBody>
-            <a:bodyPr wrap="square" rtlCol="0">
-              <a:spAutoFit/>
-            </a:bodyPr>
-            <a:lstStyle/>
-            <a:p>
-              <a:pPr algn="ctr"/>
-              <a:r>
-                <a:rPr lang="en-US" altLang="zh-CN" sz="2200" dirty="0">
-                  <a:solidFill>
-                    <a:srgbClr val="413B39"/>
-                  </a:solidFill>
-                  <a:latin typeface="微软雅黑 Light" panose="020B0502040204020203" pitchFamily="34" charset="-122"/>
-                  <a:ea typeface="微软雅黑 Light" panose="020B0502040204020203" pitchFamily="34" charset="-122"/>
-                </a:rPr>
-                <a:t>04</a:t>
-              </a:r>
-              <a:endParaRPr lang="zh-CN" altLang="en-US" sz="2200" dirty="0">
-                <a:solidFill>
-                  <a:srgbClr val="413B39"/>
-                </a:solidFill>
-                <a:latin typeface="微软雅黑 Light" panose="020B0502040204020203" pitchFamily="34" charset="-122"/>
-                <a:ea typeface="微软雅黑 Light" panose="020B0502040204020203" pitchFamily="34" charset="-122"/>
-              </a:endParaRPr>
-            </a:p>
-          </p:txBody>
-        </p:sp>
-      </p:grpSp>
     </p:spTree>
   </p:cSld>
   <p:clrMapOvr>
@@ -16608,21 +16438,30 @@
                             </p:childTnLst>
                           </p:cTn>
                         </p:par>
+                      </p:childTnLst>
+                    </p:cTn>
+                  </p:par>
+                  <p:par>
+                    <p:cTn id="24" fill="hold">
+                      <p:stCondLst>
+                        <p:cond delay="indefinite"/>
+                      </p:stCondLst>
+                      <p:childTnLst>
                         <p:par>
-                          <p:cTn id="24" fill="hold">
+                          <p:cTn id="25" fill="hold">
                             <p:stCondLst>
-                              <p:cond delay="1000"/>
+                              <p:cond delay="0"/>
                             </p:stCondLst>
                             <p:childTnLst>
                               <p:par>
-                                <p:cTn id="25" presetID="31" presetClass="entr" presetSubtype="0" fill="hold" nodeType="afterEffect">
+                                <p:cTn id="26" presetID="2" presetClass="entr" presetSubtype="4" fill="hold" nodeType="clickEffect">
                                   <p:stCondLst>
                                     <p:cond delay="0"/>
                                   </p:stCondLst>
                                   <p:childTnLst>
                                     <p:set>
                                       <p:cBhvr>
-                                        <p:cTn id="26" dur="1" fill="hold">
+                                        <p:cTn id="27" dur="1" fill="hold">
                                           <p:stCondLst>
                                             <p:cond delay="0"/>
                                           </p:stCondLst>
@@ -16639,109 +16478,160 @@
                                       </p:to>
                                     </p:set>
                                     <p:anim calcmode="lin" valueType="num">
-                                      <p:cBhvr>
-                                        <p:cTn id="27" dur="500" fill="hold"/>
+                                      <p:cBhvr additive="base">
+                                        <p:cTn id="28" dur="500" fill="hold"/>
                                         <p:tgtEl>
                                           <p:spTgt spid="21"/>
                                         </p:tgtEl>
                                         <p:attrNameLst>
-                                          <p:attrName>ppt_w</p:attrName>
+                                          <p:attrName>ppt_x</p:attrName>
                                         </p:attrNameLst>
                                       </p:cBhvr>
                                       <p:tavLst>
                                         <p:tav tm="0">
                                           <p:val>
-                                            <p:fltVal val="0"/>
+                                            <p:strVal val="#ppt_x"/>
                                           </p:val>
                                         </p:tav>
                                         <p:tav tm="100000">
                                           <p:val>
-                                            <p:strVal val="#ppt_w"/>
+                                            <p:strVal val="#ppt_x"/>
                                           </p:val>
                                         </p:tav>
                                       </p:tavLst>
                                     </p:anim>
                                     <p:anim calcmode="lin" valueType="num">
-                                      <p:cBhvr>
-                                        <p:cTn id="28" dur="500" fill="hold"/>
+                                      <p:cBhvr additive="base">
+                                        <p:cTn id="29" dur="500" fill="hold"/>
                                         <p:tgtEl>
                                           <p:spTgt spid="21"/>
                                         </p:tgtEl>
                                         <p:attrNameLst>
-                                          <p:attrName>ppt_h</p:attrName>
+                                          <p:attrName>ppt_y</p:attrName>
                                         </p:attrNameLst>
                                       </p:cBhvr>
                                       <p:tavLst>
                                         <p:tav tm="0">
                                           <p:val>
-                                            <p:fltVal val="0"/>
+                                            <p:strVal val="1+#ppt_h/2"/>
                                           </p:val>
                                         </p:tav>
                                         <p:tav tm="100000">
                                           <p:val>
-                                            <p:strVal val="#ppt_h"/>
+                                            <p:strVal val="#ppt_y"/>
+                                          </p:val>
+                                        </p:tav>
+                                      </p:tavLst>
+                                    </p:anim>
+                                  </p:childTnLst>
+                                </p:cTn>
+                              </p:par>
+                              <p:par>
+                                <p:cTn id="30" presetID="2" presetClass="entr" presetSubtype="4" fill="hold" grpId="0" nodeType="withEffect">
+                                  <p:stCondLst>
+                                    <p:cond delay="0"/>
+                                  </p:stCondLst>
+                                  <p:childTnLst>
+                                    <p:set>
+                                      <p:cBhvr>
+                                        <p:cTn id="31" dur="1" fill="hold">
+                                          <p:stCondLst>
+                                            <p:cond delay="0"/>
+                                          </p:stCondLst>
+                                        </p:cTn>
+                                        <p:tgtEl>
+                                          <p:spTgt spid="20"/>
+                                        </p:tgtEl>
+                                        <p:attrNameLst>
+                                          <p:attrName>style.visibility</p:attrName>
+                                        </p:attrNameLst>
+                                      </p:cBhvr>
+                                      <p:to>
+                                        <p:strVal val="visible"/>
+                                      </p:to>
+                                    </p:set>
+                                    <p:anim calcmode="lin" valueType="num">
+                                      <p:cBhvr additive="base">
+                                        <p:cTn id="32" dur="500" fill="hold"/>
+                                        <p:tgtEl>
+                                          <p:spTgt spid="20"/>
+                                        </p:tgtEl>
+                                        <p:attrNameLst>
+                                          <p:attrName>ppt_x</p:attrName>
+                                        </p:attrNameLst>
+                                      </p:cBhvr>
+                                      <p:tavLst>
+                                        <p:tav tm="0">
+                                          <p:val>
+                                            <p:strVal val="#ppt_x"/>
+                                          </p:val>
+                                        </p:tav>
+                                        <p:tav tm="100000">
+                                          <p:val>
+                                            <p:strVal val="#ppt_x"/>
                                           </p:val>
                                         </p:tav>
                                       </p:tavLst>
                                     </p:anim>
                                     <p:anim calcmode="lin" valueType="num">
-                                      <p:cBhvr>
-                                        <p:cTn id="29" dur="500" fill="hold"/>
-                                        <p:tgtEl>
-                                          <p:spTgt spid="21"/>
+                                      <p:cBhvr additive="base">
+                                        <p:cTn id="33" dur="500" fill="hold"/>
+                                        <p:tgtEl>
+                                          <p:spTgt spid="20"/>
                                         </p:tgtEl>
                                         <p:attrNameLst>
-                                          <p:attrName>style.rotation</p:attrName>
+                                          <p:attrName>ppt_y</p:attrName>
                                         </p:attrNameLst>
                                       </p:cBhvr>
                                       <p:tavLst>
                                         <p:tav tm="0">
                                           <p:val>
-                                            <p:fltVal val="90"/>
+                                            <p:strVal val="1+#ppt_h/2"/>
                                           </p:val>
                                         </p:tav>
                                         <p:tav tm="100000">
                                           <p:val>
-                                            <p:fltVal val="0"/>
+                                            <p:strVal val="#ppt_y"/>
                                           </p:val>
                                         </p:tav>
                                       </p:tavLst>
                                     </p:anim>
-                                    <p:animEffect transition="in" filter="fade">
-                                      <p:cBhvr>
-                                        <p:cTn id="30" dur="500"/>
-                                        <p:tgtEl>
-                                          <p:spTgt spid="21"/>
-                                        </p:tgtEl>
-                                      </p:cBhvr>
-                                    </p:animEffect>
                                   </p:childTnLst>
                                 </p:cTn>
                               </p:par>
                             </p:childTnLst>
                           </p:cTn>
                         </p:par>
+                      </p:childTnLst>
+                    </p:cTn>
+                  </p:par>
+                  <p:par>
+                    <p:cTn id="34" fill="hold">
+                      <p:stCondLst>
+                        <p:cond delay="indefinite"/>
+                      </p:stCondLst>
+                      <p:childTnLst>
                         <p:par>
-                          <p:cTn id="31" fill="hold">
+                          <p:cTn id="35" fill="hold">
                             <p:stCondLst>
-                              <p:cond delay="1500"/>
+                              <p:cond delay="0"/>
                             </p:stCondLst>
                             <p:childTnLst>
                               <p:par>
-                                <p:cTn id="32" presetID="12" presetClass="entr" presetSubtype="8" fill="hold" grpId="0" nodeType="afterEffect">
+                                <p:cTn id="36" presetID="2" presetClass="entr" presetSubtype="4" fill="hold" nodeType="clickEffect">
                                   <p:stCondLst>
                                     <p:cond delay="0"/>
                                   </p:stCondLst>
                                   <p:childTnLst>
                                     <p:set>
                                       <p:cBhvr>
-                                        <p:cTn id="33" dur="1" fill="hold">
+                                        <p:cTn id="37" dur="1" fill="hold">
                                           <p:stCondLst>
                                             <p:cond delay="0"/>
                                           </p:stCondLst>
                                         </p:cTn>
                                         <p:tgtEl>
-                                          <p:spTgt spid="20"/>
+                                          <p:spTgt spid="35"/>
                                         </p:tgtEl>
                                         <p:attrNameLst>
                                           <p:attrName>style.visibility</p:attrName>
@@ -16753,9 +16643,9 @@
                                     </p:set>
                                     <p:anim calcmode="lin" valueType="num">
                                       <p:cBhvr additive="base">
-                                        <p:cTn id="34" dur="500"/>
-                                        <p:tgtEl>
-                                          <p:spTgt spid="20"/>
+                                        <p:cTn id="38" dur="500" fill="hold"/>
+                                        <p:tgtEl>
+                                          <p:spTgt spid="35"/>
                                         </p:tgtEl>
                                         <p:attrNameLst>
                                           <p:attrName>ppt_x</p:attrName>
@@ -16764,7 +16654,7 @@
                                       <p:tavLst>
                                         <p:tav tm="0">
                                           <p:val>
-                                            <p:strVal val="#ppt_x-#ppt_w*1.125000"/>
+                                            <p:strVal val="#ppt_x"/>
                                           </p:val>
                                         </p:tav>
                                         <p:tav tm="100000">
@@ -16774,41 +16664,138 @@
                                         </p:tav>
                                       </p:tavLst>
                                     </p:anim>
-                                    <p:animEffect transition="in" filter="wipe(right)">
+                                    <p:anim calcmode="lin" valueType="num">
+                                      <p:cBhvr additive="base">
+                                        <p:cTn id="39" dur="500" fill="hold"/>
+                                        <p:tgtEl>
+                                          <p:spTgt spid="35"/>
+                                        </p:tgtEl>
+                                        <p:attrNameLst>
+                                          <p:attrName>ppt_y</p:attrName>
+                                        </p:attrNameLst>
+                                      </p:cBhvr>
+                                      <p:tavLst>
+                                        <p:tav tm="0">
+                                          <p:val>
+                                            <p:strVal val="1+#ppt_h/2"/>
+                                          </p:val>
+                                        </p:tav>
+                                        <p:tav tm="100000">
+                                          <p:val>
+                                            <p:strVal val="#ppt_y"/>
+                                          </p:val>
+                                        </p:tav>
+                                      </p:tavLst>
+                                    </p:anim>
+                                  </p:childTnLst>
+                                </p:cTn>
+                              </p:par>
+                              <p:par>
+                                <p:cTn id="40" presetID="2" presetClass="entr" presetSubtype="4" fill="hold" grpId="0" nodeType="withEffect">
+                                  <p:stCondLst>
+                                    <p:cond delay="0"/>
+                                  </p:stCondLst>
+                                  <p:childTnLst>
+                                    <p:set>
                                       <p:cBhvr>
-                                        <p:cTn id="35" dur="500"/>
-                                        <p:tgtEl>
-                                          <p:spTgt spid="20"/>
-                                        </p:tgtEl>
-                                      </p:cBhvr>
-                                    </p:animEffect>
+                                        <p:cTn id="41" dur="1" fill="hold">
+                                          <p:stCondLst>
+                                            <p:cond delay="0"/>
+                                          </p:stCondLst>
+                                        </p:cTn>
+                                        <p:tgtEl>
+                                          <p:spTgt spid="49"/>
+                                        </p:tgtEl>
+                                        <p:attrNameLst>
+                                          <p:attrName>style.visibility</p:attrName>
+                                        </p:attrNameLst>
+                                      </p:cBhvr>
+                                      <p:to>
+                                        <p:strVal val="visible"/>
+                                      </p:to>
+                                    </p:set>
+                                    <p:anim calcmode="lin" valueType="num">
+                                      <p:cBhvr additive="base">
+                                        <p:cTn id="42" dur="500" fill="hold"/>
+                                        <p:tgtEl>
+                                          <p:spTgt spid="49"/>
+                                        </p:tgtEl>
+                                        <p:attrNameLst>
+                                          <p:attrName>ppt_x</p:attrName>
+                                        </p:attrNameLst>
+                                      </p:cBhvr>
+                                      <p:tavLst>
+                                        <p:tav tm="0">
+                                          <p:val>
+                                            <p:strVal val="#ppt_x"/>
+                                          </p:val>
+                                        </p:tav>
+                                        <p:tav tm="100000">
+                                          <p:val>
+                                            <p:strVal val="#ppt_x"/>
+                                          </p:val>
+                                        </p:tav>
+                                      </p:tavLst>
+                                    </p:anim>
+                                    <p:anim calcmode="lin" valueType="num">
+                                      <p:cBhvr additive="base">
+                                        <p:cTn id="43" dur="500" fill="hold"/>
+                                        <p:tgtEl>
+                                          <p:spTgt spid="49"/>
+                                        </p:tgtEl>
+                                        <p:attrNameLst>
+                                          <p:attrName>ppt_y</p:attrName>
+                                        </p:attrNameLst>
+                                      </p:cBhvr>
+                                      <p:tavLst>
+                                        <p:tav tm="0">
+                                          <p:val>
+                                            <p:strVal val="1+#ppt_h/2"/>
+                                          </p:val>
+                                        </p:tav>
+                                        <p:tav tm="100000">
+                                          <p:val>
+                                            <p:strVal val="#ppt_y"/>
+                                          </p:val>
+                                        </p:tav>
+                                      </p:tavLst>
+                                    </p:anim>
                                   </p:childTnLst>
                                 </p:cTn>
                               </p:par>
                             </p:childTnLst>
                           </p:cTn>
                         </p:par>
+                      </p:childTnLst>
+                    </p:cTn>
+                  </p:par>
+                  <p:par>
+                    <p:cTn id="44" fill="hold">
+                      <p:stCondLst>
+                        <p:cond delay="indefinite"/>
+                      </p:stCondLst>
+                      <p:childTnLst>
                         <p:par>
-                          <p:cTn id="36" fill="hold">
+                          <p:cTn id="45" fill="hold">
                             <p:stCondLst>
-                              <p:cond delay="2000"/>
+                              <p:cond delay="0"/>
                             </p:stCondLst>
                             <p:childTnLst>
                               <p:par>
-                                <p:cTn id="37" presetID="31" presetClass="entr" presetSubtype="0" fill="hold" nodeType="afterEffect">
+                                <p:cTn id="46" presetID="2" presetClass="entr" presetSubtype="4" fill="hold" nodeType="clickEffect">
                                   <p:stCondLst>
                                     <p:cond delay="0"/>
                                   </p:stCondLst>
                                   <p:childTnLst>
                                     <p:set>
                                       <p:cBhvr>
-                                        <p:cTn id="38" dur="1" fill="hold">
+                                        <p:cTn id="47" dur="1" fill="hold">
                                           <p:stCondLst>
                                             <p:cond delay="0"/>
                                           </p:stCondLst>
                                         </p:cTn>
                                         <p:tgtEl>
-                                          <p:spTgt spid="35"/>
+                                          <p:spTgt spid="51"/>
                                         </p:tgtEl>
                                         <p:attrNameLst>
                                           <p:attrName>style.visibility</p:attrName>
@@ -16819,109 +16806,69 @@
                                       </p:to>
                                     </p:set>
                                     <p:anim calcmode="lin" valueType="num">
-                                      <p:cBhvr>
-                                        <p:cTn id="39" dur="500" fill="hold"/>
-                                        <p:tgtEl>
-                                          <p:spTgt spid="35"/>
+                                      <p:cBhvr additive="base">
+                                        <p:cTn id="48" dur="500" fill="hold"/>
+                                        <p:tgtEl>
+                                          <p:spTgt spid="51"/>
                                         </p:tgtEl>
                                         <p:attrNameLst>
-                                          <p:attrName>ppt_w</p:attrName>
+                                          <p:attrName>ppt_x</p:attrName>
                                         </p:attrNameLst>
                                       </p:cBhvr>
                                       <p:tavLst>
                                         <p:tav tm="0">
                                           <p:val>
-                                            <p:fltVal val="0"/>
+                                            <p:strVal val="#ppt_x"/>
                                           </p:val>
                                         </p:tav>
                                         <p:tav tm="100000">
                                           <p:val>
-                                            <p:strVal val="#ppt_w"/>
+                                            <p:strVal val="#ppt_x"/>
                                           </p:val>
                                         </p:tav>
                                       </p:tavLst>
                                     </p:anim>
                                     <p:anim calcmode="lin" valueType="num">
-                                      <p:cBhvr>
-                                        <p:cTn id="40" dur="500" fill="hold"/>
-                                        <p:tgtEl>
-                                          <p:spTgt spid="35"/>
+                                      <p:cBhvr additive="base">
+                                        <p:cTn id="49" dur="500" fill="hold"/>
+                                        <p:tgtEl>
+                                          <p:spTgt spid="51"/>
                                         </p:tgtEl>
                                         <p:attrNameLst>
-                                          <p:attrName>ppt_h</p:attrName>
+                                          <p:attrName>ppt_y</p:attrName>
                                         </p:attrNameLst>
                                       </p:cBhvr>
                                       <p:tavLst>
                                         <p:tav tm="0">
                                           <p:val>
-                                            <p:fltVal val="0"/>
+                                            <p:strVal val="1+#ppt_h/2"/>
                                           </p:val>
                                         </p:tav>
                                         <p:tav tm="100000">
                                           <p:val>
-                                            <p:strVal val="#ppt_h"/>
+                                            <p:strVal val="#ppt_y"/>
                                           </p:val>
                                         </p:tav>
                                       </p:tavLst>
                                     </p:anim>
-                                    <p:anim calcmode="lin" valueType="num">
-                                      <p:cBhvr>
-                                        <p:cTn id="41" dur="500" fill="hold"/>
-                                        <p:tgtEl>
-                                          <p:spTgt spid="35"/>
-                                        </p:tgtEl>
-                                        <p:attrNameLst>
-                                          <p:attrName>style.rotation</p:attrName>
-                                        </p:attrNameLst>
-                                      </p:cBhvr>
-                                      <p:tavLst>
-                                        <p:tav tm="0">
-                                          <p:val>
-                                            <p:fltVal val="90"/>
-                                          </p:val>
-                                        </p:tav>
-                                        <p:tav tm="100000">
-                                          <p:val>
-                                            <p:fltVal val="0"/>
-                                          </p:val>
-                                        </p:tav>
-                                      </p:tavLst>
-                                    </p:anim>
-                                    <p:animEffect transition="in" filter="fade">
-                                      <p:cBhvr>
-                                        <p:cTn id="42" dur="500"/>
-                                        <p:tgtEl>
-                                          <p:spTgt spid="35"/>
-                                        </p:tgtEl>
-                                      </p:cBhvr>
-                                    </p:animEffect>
                                   </p:childTnLst>
                                 </p:cTn>
                               </p:par>
-                            </p:childTnLst>
-                          </p:cTn>
-                        </p:par>
-                        <p:par>
-                          <p:cTn id="43" fill="hold">
-                            <p:stCondLst>
-                              <p:cond delay="2500"/>
-                            </p:stCondLst>
-                            <p:childTnLst>
                               <p:par>
-                                <p:cTn id="44" presetID="12" presetClass="entr" presetSubtype="8" fill="hold" grpId="0" nodeType="afterEffect">
+                                <p:cTn id="50" presetID="2" presetClass="entr" presetSubtype="4" fill="hold" grpId="0" nodeType="withEffect">
                                   <p:stCondLst>
                                     <p:cond delay="0"/>
                                   </p:stCondLst>
                                   <p:childTnLst>
                                     <p:set>
                                       <p:cBhvr>
-                                        <p:cTn id="45" dur="1" fill="hold">
+                                        <p:cTn id="51" dur="1" fill="hold">
                                           <p:stCondLst>
                                             <p:cond delay="0"/>
                                           </p:stCondLst>
                                         </p:cTn>
                                         <p:tgtEl>
-                                          <p:spTgt spid="49"/>
+                                          <p:spTgt spid="50"/>
                                         </p:tgtEl>
                                         <p:attrNameLst>
                                           <p:attrName>style.visibility</p:attrName>
@@ -16933,9 +16880,9 @@
                                     </p:set>
                                     <p:anim calcmode="lin" valueType="num">
                                       <p:cBhvr additive="base">
-                                        <p:cTn id="46" dur="500"/>
-                                        <p:tgtEl>
-                                          <p:spTgt spid="49"/>
+                                        <p:cTn id="52" dur="500" fill="hold"/>
+                                        <p:tgtEl>
+                                          <p:spTgt spid="50"/>
                                         </p:tgtEl>
                                         <p:attrNameLst>
                                           <p:attrName>ppt_x</p:attrName>
@@ -16944,384 +16891,39 @@
                                       <p:tavLst>
                                         <p:tav tm="0">
                                           <p:val>
-                                            <p:strVal val="#ppt_x-#ppt_w*1.125000"/>
+                                            <p:strVal val="#ppt_x"/>
                                           </p:val>
                                         </p:tav>
                                         <p:tav tm="100000">
                                           <p:val>
                                             <p:strVal val="#ppt_x"/>
-                                          </p:val>
-                                        </p:tav>
-                                      </p:tavLst>
-                                    </p:anim>
-                                    <p:animEffect transition="in" filter="wipe(right)">
-                                      <p:cBhvr>
-                                        <p:cTn id="47" dur="500"/>
-                                        <p:tgtEl>
-                                          <p:spTgt spid="49"/>
-                                        </p:tgtEl>
-                                      </p:cBhvr>
-                                    </p:animEffect>
-                                  </p:childTnLst>
-                                </p:cTn>
-                              </p:par>
-                            </p:childTnLst>
-                          </p:cTn>
-                        </p:par>
-                        <p:par>
-                          <p:cTn id="48" fill="hold">
-                            <p:stCondLst>
-                              <p:cond delay="3000"/>
-                            </p:stCondLst>
-                            <p:childTnLst>
-                              <p:par>
-                                <p:cTn id="49" presetID="31" presetClass="entr" presetSubtype="0" fill="hold" nodeType="afterEffect">
-                                  <p:stCondLst>
-                                    <p:cond delay="0"/>
-                                  </p:stCondLst>
-                                  <p:childTnLst>
-                                    <p:set>
-                                      <p:cBhvr>
-                                        <p:cTn id="50" dur="1" fill="hold">
-                                          <p:stCondLst>
-                                            <p:cond delay="0"/>
-                                          </p:stCondLst>
-                                        </p:cTn>
-                                        <p:tgtEl>
-                                          <p:spTgt spid="51"/>
-                                        </p:tgtEl>
-                                        <p:attrNameLst>
-                                          <p:attrName>style.visibility</p:attrName>
-                                        </p:attrNameLst>
-                                      </p:cBhvr>
-                                      <p:to>
-                                        <p:strVal val="visible"/>
-                                      </p:to>
-                                    </p:set>
-                                    <p:anim calcmode="lin" valueType="num">
-                                      <p:cBhvr>
-                                        <p:cTn id="51" dur="500" fill="hold"/>
-                                        <p:tgtEl>
-                                          <p:spTgt spid="51"/>
-                                        </p:tgtEl>
-                                        <p:attrNameLst>
-                                          <p:attrName>ppt_w</p:attrName>
-                                        </p:attrNameLst>
-                                      </p:cBhvr>
-                                      <p:tavLst>
-                                        <p:tav tm="0">
-                                          <p:val>
-                                            <p:fltVal val="0"/>
-                                          </p:val>
-                                        </p:tav>
-                                        <p:tav tm="100000">
-                                          <p:val>
-                                            <p:strVal val="#ppt_w"/>
                                           </p:val>
                                         </p:tav>
                                       </p:tavLst>
                                     </p:anim>
                                     <p:anim calcmode="lin" valueType="num">
-                                      <p:cBhvr>
-                                        <p:cTn id="52" dur="500" fill="hold"/>
-                                        <p:tgtEl>
-                                          <p:spTgt spid="51"/>
+                                      <p:cBhvr additive="base">
+                                        <p:cTn id="53" dur="500" fill="hold"/>
+                                        <p:tgtEl>
+                                          <p:spTgt spid="50"/>
                                         </p:tgtEl>
                                         <p:attrNameLst>
-                                          <p:attrName>ppt_h</p:attrName>
+                                          <p:attrName>ppt_y</p:attrName>
                                         </p:attrNameLst>
                                       </p:cBhvr>
                                       <p:tavLst>
                                         <p:tav tm="0">
                                           <p:val>
-                                            <p:fltVal val="0"/>
+                                            <p:strVal val="1+#ppt_h/2"/>
                                           </p:val>
                                         </p:tav>
                                         <p:tav tm="100000">
                                           <p:val>
-                                            <p:strVal val="#ppt_h"/>
+                                            <p:strVal val="#ppt_y"/>
                                           </p:val>
                                         </p:tav>
                                       </p:tavLst>
                                     </p:anim>
-                                    <p:anim calcmode="lin" valueType="num">
-                                      <p:cBhvr>
-                                        <p:cTn id="53" dur="500" fill="hold"/>
-                                        <p:tgtEl>
-                                          <p:spTgt spid="51"/>
-                                        </p:tgtEl>
-                                        <p:attrNameLst>
-                                          <p:attrName>style.rotation</p:attrName>
-                                        </p:attrNameLst>
-                                      </p:cBhvr>
-                                      <p:tavLst>
-                                        <p:tav tm="0">
-                                          <p:val>
-                                            <p:fltVal val="90"/>
-                                          </p:val>
-                                        </p:tav>
-                                        <p:tav tm="100000">
-                                          <p:val>
-                                            <p:fltVal val="0"/>
-                                          </p:val>
-                                        </p:tav>
-                                      </p:tavLst>
-                                    </p:anim>
-                                    <p:animEffect transition="in" filter="fade">
-                                      <p:cBhvr>
-                                        <p:cTn id="54" dur="500"/>
-                                        <p:tgtEl>
-                                          <p:spTgt spid="51"/>
-                                        </p:tgtEl>
-                                      </p:cBhvr>
-                                    </p:animEffect>
-                                  </p:childTnLst>
-                                </p:cTn>
-                              </p:par>
-                            </p:childTnLst>
-                          </p:cTn>
-                        </p:par>
-                        <p:par>
-                          <p:cTn id="55" fill="hold">
-                            <p:stCondLst>
-                              <p:cond delay="3500"/>
-                            </p:stCondLst>
-                            <p:childTnLst>
-                              <p:par>
-                                <p:cTn id="56" presetID="12" presetClass="entr" presetSubtype="8" fill="hold" grpId="0" nodeType="afterEffect">
-                                  <p:stCondLst>
-                                    <p:cond delay="0"/>
-                                  </p:stCondLst>
-                                  <p:childTnLst>
-                                    <p:set>
-                                      <p:cBhvr>
-                                        <p:cTn id="57" dur="1" fill="hold">
-                                          <p:stCondLst>
-                                            <p:cond delay="0"/>
-                                          </p:stCondLst>
-                                        </p:cTn>
-                                        <p:tgtEl>
-                                          <p:spTgt spid="50"/>
-                                        </p:tgtEl>
-                                        <p:attrNameLst>
-                                          <p:attrName>style.visibility</p:attrName>
-                                        </p:attrNameLst>
-                                      </p:cBhvr>
-                                      <p:to>
-                                        <p:strVal val="visible"/>
-                                      </p:to>
-                                    </p:set>
-                                    <p:anim calcmode="lin" valueType="num">
-                                      <p:cBhvr additive="base">
-                                        <p:cTn id="58" dur="500"/>
-                                        <p:tgtEl>
-                                          <p:spTgt spid="50"/>
-                                        </p:tgtEl>
-                                        <p:attrNameLst>
-                                          <p:attrName>ppt_x</p:attrName>
-                                        </p:attrNameLst>
-                                      </p:cBhvr>
-                                      <p:tavLst>
-                                        <p:tav tm="0">
-                                          <p:val>
-                                            <p:strVal val="#ppt_x-#ppt_w*1.125000"/>
-                                          </p:val>
-                                        </p:tav>
-                                        <p:tav tm="100000">
-                                          <p:val>
-                                            <p:strVal val="#ppt_x"/>
-                                          </p:val>
-                                        </p:tav>
-                                      </p:tavLst>
-                                    </p:anim>
-                                    <p:animEffect transition="in" filter="wipe(right)">
-                                      <p:cBhvr>
-                                        <p:cTn id="59" dur="500"/>
-                                        <p:tgtEl>
-                                          <p:spTgt spid="50"/>
-                                        </p:tgtEl>
-                                      </p:cBhvr>
-                                    </p:animEffect>
-                                  </p:childTnLst>
-                                </p:cTn>
-                              </p:par>
-                            </p:childTnLst>
-                          </p:cTn>
-                        </p:par>
-                        <p:par>
-                          <p:cTn id="60" fill="hold">
-                            <p:stCondLst>
-                              <p:cond delay="4000"/>
-                            </p:stCondLst>
-                            <p:childTnLst>
-                              <p:par>
-                                <p:cTn id="61" presetID="31" presetClass="entr" presetSubtype="0" fill="hold" nodeType="afterEffect">
-                                  <p:stCondLst>
-                                    <p:cond delay="0"/>
-                                  </p:stCondLst>
-                                  <p:childTnLst>
-                                    <p:set>
-                                      <p:cBhvr>
-                                        <p:cTn id="62" dur="1" fill="hold">
-                                          <p:stCondLst>
-                                            <p:cond delay="0"/>
-                                          </p:stCondLst>
-                                        </p:cTn>
-                                        <p:tgtEl>
-                                          <p:spTgt spid="67"/>
-                                        </p:tgtEl>
-                                        <p:attrNameLst>
-                                          <p:attrName>style.visibility</p:attrName>
-                                        </p:attrNameLst>
-                                      </p:cBhvr>
-                                      <p:to>
-                                        <p:strVal val="visible"/>
-                                      </p:to>
-                                    </p:set>
-                                    <p:anim calcmode="lin" valueType="num">
-                                      <p:cBhvr>
-                                        <p:cTn id="63" dur="500" fill="hold"/>
-                                        <p:tgtEl>
-                                          <p:spTgt spid="67"/>
-                                        </p:tgtEl>
-                                        <p:attrNameLst>
-                                          <p:attrName>ppt_w</p:attrName>
-                                        </p:attrNameLst>
-                                      </p:cBhvr>
-                                      <p:tavLst>
-                                        <p:tav tm="0">
-                                          <p:val>
-                                            <p:fltVal val="0"/>
-                                          </p:val>
-                                        </p:tav>
-                                        <p:tav tm="100000">
-                                          <p:val>
-                                            <p:strVal val="#ppt_w"/>
-                                          </p:val>
-                                        </p:tav>
-                                      </p:tavLst>
-                                    </p:anim>
-                                    <p:anim calcmode="lin" valueType="num">
-                                      <p:cBhvr>
-                                        <p:cTn id="64" dur="500" fill="hold"/>
-                                        <p:tgtEl>
-                                          <p:spTgt spid="67"/>
-                                        </p:tgtEl>
-                                        <p:attrNameLst>
-                                          <p:attrName>ppt_h</p:attrName>
-                                        </p:attrNameLst>
-                                      </p:cBhvr>
-                                      <p:tavLst>
-                                        <p:tav tm="0">
-                                          <p:val>
-                                            <p:fltVal val="0"/>
-                                          </p:val>
-                                        </p:tav>
-                                        <p:tav tm="100000">
-                                          <p:val>
-                                            <p:strVal val="#ppt_h"/>
-                                          </p:val>
-                                        </p:tav>
-                                      </p:tavLst>
-                                    </p:anim>
-                                    <p:anim calcmode="lin" valueType="num">
-                                      <p:cBhvr>
-                                        <p:cTn id="65" dur="500" fill="hold"/>
-                                        <p:tgtEl>
-                                          <p:spTgt spid="67"/>
-                                        </p:tgtEl>
-                                        <p:attrNameLst>
-                                          <p:attrName>style.rotation</p:attrName>
-                                        </p:attrNameLst>
-                                      </p:cBhvr>
-                                      <p:tavLst>
-                                        <p:tav tm="0">
-                                          <p:val>
-                                            <p:fltVal val="90"/>
-                                          </p:val>
-                                        </p:tav>
-                                        <p:tav tm="100000">
-                                          <p:val>
-                                            <p:fltVal val="0"/>
-                                          </p:val>
-                                        </p:tav>
-                                      </p:tavLst>
-                                    </p:anim>
-                                    <p:animEffect transition="in" filter="fade">
-                                      <p:cBhvr>
-                                        <p:cTn id="66" dur="500"/>
-                                        <p:tgtEl>
-                                          <p:spTgt spid="67"/>
-                                        </p:tgtEl>
-                                      </p:cBhvr>
-                                    </p:animEffect>
-                                  </p:childTnLst>
-                                </p:cTn>
-                              </p:par>
-                            </p:childTnLst>
-                          </p:cTn>
-                        </p:par>
-                        <p:par>
-                          <p:cTn id="67" fill="hold">
-                            <p:stCondLst>
-                              <p:cond delay="4500"/>
-                            </p:stCondLst>
-                            <p:childTnLst>
-                              <p:par>
-                                <p:cTn id="68" presetID="12" presetClass="entr" presetSubtype="8" fill="hold" grpId="0" nodeType="afterEffect">
-                                  <p:stCondLst>
-                                    <p:cond delay="0"/>
-                                  </p:stCondLst>
-                                  <p:childTnLst>
-                                    <p:set>
-                                      <p:cBhvr>
-                                        <p:cTn id="69" dur="1" fill="hold">
-                                          <p:stCondLst>
-                                            <p:cond delay="0"/>
-                                          </p:stCondLst>
-                                        </p:cTn>
-                                        <p:tgtEl>
-                                          <p:spTgt spid="66"/>
-                                        </p:tgtEl>
-                                        <p:attrNameLst>
-                                          <p:attrName>style.visibility</p:attrName>
-                                        </p:attrNameLst>
-                                      </p:cBhvr>
-                                      <p:to>
-                                        <p:strVal val="visible"/>
-                                      </p:to>
-                                    </p:set>
-                                    <p:anim calcmode="lin" valueType="num">
-                                      <p:cBhvr additive="base">
-                                        <p:cTn id="70" dur="500"/>
-                                        <p:tgtEl>
-                                          <p:spTgt spid="66"/>
-                                        </p:tgtEl>
-                                        <p:attrNameLst>
-                                          <p:attrName>ppt_x</p:attrName>
-                                        </p:attrNameLst>
-                                      </p:cBhvr>
-                                      <p:tavLst>
-                                        <p:tav tm="0">
-                                          <p:val>
-                                            <p:strVal val="#ppt_x-#ppt_w*1.125000"/>
-                                          </p:val>
-                                        </p:tav>
-                                        <p:tav tm="100000">
-                                          <p:val>
-                                            <p:strVal val="#ppt_x"/>
-                                          </p:val>
-                                        </p:tav>
-                                      </p:tavLst>
-                                    </p:anim>
-                                    <p:animEffect transition="in" filter="wipe(right)">
-                                      <p:cBhvr>
-                                        <p:cTn id="71" dur="500"/>
-                                        <p:tgtEl>
-                                          <p:spTgt spid="66"/>
-                                        </p:tgtEl>
-                                      </p:cBhvr>
-                                    </p:animEffect>
                                   </p:childTnLst>
                                 </p:cTn>
                               </p:par>
@@ -17356,11 +16958,10 @@
       <p:bldP spid="17" grpId="0" animBg="1"/>
       <p:bldP spid="18" grpId="0" animBg="1"/>
       <p:bldP spid="19" grpId="0" animBg="1"/>
+      <p:bldP spid="65" grpId="0"/>
       <p:bldP spid="20" grpId="0"/>
       <p:bldP spid="49" grpId="0"/>
       <p:bldP spid="50" grpId="0"/>
-      <p:bldP spid="65" grpId="0"/>
-      <p:bldP spid="66" grpId="0"/>
     </p:bldLst>
   </p:timing>
 </p:sld>
@@ -17762,7 +17363,7 @@
         </p:nvSpPr>
         <p:spPr>
           <a:xfrm>
-            <a:off x="5717540" y="2827020"/>
+            <a:off x="5717540" y="2972435"/>
             <a:ext cx="4921250" cy="860425"/>
           </a:xfrm>
           <a:prstGeom prst="rect">
@@ -18479,6 +18080,146 @@
           </a:p>
         </p:txBody>
       </p:sp>
+      <p:sp>
+        <p:nvSpPr>
+          <p:cNvPr id="2" name="文本框 1"/>
+          <p:cNvSpPr txBox="1"/>
+          <p:nvPr/>
+        </p:nvSpPr>
+        <p:spPr>
+          <a:xfrm>
+            <a:off x="1265555" y="1470025"/>
+            <a:ext cx="7844790" cy="368300"/>
+          </a:xfrm>
+          <a:prstGeom prst="rect">
+            <a:avLst/>
+          </a:prstGeom>
+          <a:noFill/>
+        </p:spPr>
+        <p:txBody>
+          <a:bodyPr wrap="square" rtlCol="0">
+            <a:spAutoFit/>
+          </a:bodyPr>
+          <a:p>
+            <a:r>
+              <a:rPr lang="zh-CN" altLang="en-US"/>
+              <a:t>自动化测试到底测试的是什么？</a:t>
+            </a:r>
+            <a:endParaRPr lang="zh-CN" altLang="en-US"/>
+          </a:p>
+        </p:txBody>
+      </p:sp>
+      <p:pic>
+        <p:nvPicPr>
+          <p:cNvPr id="5" name="图片 4" descr="脑阔疼"/>
+          <p:cNvPicPr>
+            <a:picLocks noChangeAspect="1"/>
+          </p:cNvPicPr>
+          <p:nvPr/>
+        </p:nvPicPr>
+        <p:blipFill>
+          <a:blip r:embed="rId1"/>
+          <a:stretch>
+            <a:fillRect/>
+          </a:stretch>
+        </p:blipFill>
+        <p:spPr>
+          <a:xfrm>
+            <a:off x="5064760" y="248920"/>
+            <a:ext cx="2916555" cy="3648075"/>
+          </a:xfrm>
+          <a:prstGeom prst="rect">
+            <a:avLst/>
+          </a:prstGeom>
+        </p:spPr>
+      </p:pic>
+      <p:sp>
+        <p:nvSpPr>
+          <p:cNvPr id="6" name="文本框 5"/>
+          <p:cNvSpPr txBox="1"/>
+          <p:nvPr/>
+        </p:nvSpPr>
+        <p:spPr>
+          <a:xfrm>
+            <a:off x="1312545" y="4173220"/>
+            <a:ext cx="3997960" cy="368300"/>
+          </a:xfrm>
+          <a:prstGeom prst="rect">
+            <a:avLst/>
+          </a:prstGeom>
+          <a:noFill/>
+        </p:spPr>
+        <p:txBody>
+          <a:bodyPr wrap="square" rtlCol="0">
+            <a:spAutoFit/>
+          </a:bodyPr>
+          <a:p>
+            <a:r>
+              <a:rPr lang="zh-CN" altLang="en-US"/>
+              <a:t>先说说为什么做自动化测试？</a:t>
+            </a:r>
+            <a:endParaRPr lang="zh-CN" altLang="en-US"/>
+          </a:p>
+        </p:txBody>
+      </p:sp>
+      <p:sp>
+        <p:nvSpPr>
+          <p:cNvPr id="7" name="文本框 6"/>
+          <p:cNvSpPr txBox="1"/>
+          <p:nvPr/>
+        </p:nvSpPr>
+        <p:spPr>
+          <a:xfrm>
+            <a:off x="5669915" y="4173220"/>
+            <a:ext cx="4149090" cy="368300"/>
+          </a:xfrm>
+          <a:prstGeom prst="rect">
+            <a:avLst/>
+          </a:prstGeom>
+          <a:noFill/>
+        </p:spPr>
+        <p:txBody>
+          <a:bodyPr wrap="square" rtlCol="0">
+            <a:spAutoFit/>
+          </a:bodyPr>
+          <a:p>
+            <a:r>
+              <a:rPr lang="zh-CN" altLang="en-US"/>
+              <a:t>让自动代替手动，用代码来战胜代码</a:t>
+            </a:r>
+            <a:endParaRPr lang="zh-CN" altLang="en-US"/>
+          </a:p>
+        </p:txBody>
+      </p:sp>
+      <p:sp>
+        <p:nvSpPr>
+          <p:cNvPr id="9" name="文本框 8"/>
+          <p:cNvSpPr txBox="1"/>
+          <p:nvPr/>
+        </p:nvSpPr>
+        <p:spPr>
+          <a:xfrm>
+            <a:off x="1275080" y="5118100"/>
+            <a:ext cx="7579360" cy="368300"/>
+          </a:xfrm>
+          <a:prstGeom prst="rect">
+            <a:avLst/>
+          </a:prstGeom>
+          <a:noFill/>
+        </p:spPr>
+        <p:txBody>
+          <a:bodyPr wrap="square" rtlCol="0">
+            <a:spAutoFit/>
+          </a:bodyPr>
+          <a:p>
+            <a:r>
+              <a:rPr lang="zh-CN" altLang="en-US"/>
+              <a:t>手动测试的时候要测试什么，自动化测试就应该测试什么。</a:t>
+            </a:r>
+            <a:endParaRPr lang="zh-CN" altLang="en-US"/>
+          </a:p>
+        </p:txBody>
+      </p:sp>
     </p:spTree>
   </p:cSld>
   <p:clrMapOvr>
@@ -18499,633 +18240,6 @@
   <p:timing>
     <p:tnLst>
       <p:par>
-        <p:cTn id="1" dur="indefinite" restart="never" nodeType="tmRoot"/>
-      </p:par>
-    </p:tnLst>
-  </p:timing>
-</p:sld>
-</file>
-
-<file path=ppt/slides/slide6.xml><?xml version="1.0" encoding="utf-8"?>
-<p:sld xmlns:a="http://schemas.openxmlformats.org/drawingml/2006/main" xmlns:r="http://schemas.openxmlformats.org/officeDocument/2006/relationships" xmlns:p="http://schemas.openxmlformats.org/presentationml/2006/main">
-  <p:cSld>
-    <p:spTree>
-      <p:nvGrpSpPr>
-        <p:cNvPr id="1" name=""/>
-        <p:cNvGrpSpPr/>
-        <p:nvPr/>
-      </p:nvGrpSpPr>
-      <p:grpSpPr>
-        <a:xfrm>
-          <a:off x="0" y="0"/>
-          <a:ext cx="0" cy="0"/>
-          <a:chOff x="0" y="0"/>
-          <a:chExt cx="0" cy="0"/>
-        </a:xfrm>
-      </p:grpSpPr>
-      <p:grpSp>
-        <p:nvGrpSpPr>
-          <p:cNvPr id="12" name="组合 11"/>
-          <p:cNvGrpSpPr/>
-          <p:nvPr/>
-        </p:nvGrpSpPr>
-        <p:grpSpPr>
-          <a:xfrm>
-            <a:off x="1765459" y="2063557"/>
-            <a:ext cx="2731404" cy="2715479"/>
-            <a:chOff x="5641059" y="3248083"/>
-            <a:chExt cx="918415" cy="913060"/>
-          </a:xfrm>
-        </p:grpSpPr>
-        <p:sp>
-          <p:nvSpPr>
-            <p:cNvPr id="14" name="任意多边形 13"/>
-            <p:cNvSpPr/>
-            <p:nvPr/>
-          </p:nvSpPr>
-          <p:spPr>
-            <a:xfrm>
-              <a:off x="5912746" y="3248083"/>
-              <a:ext cx="370248" cy="187929"/>
-            </a:xfrm>
-            <a:custGeom>
-              <a:avLst/>
-              <a:gdLst>
-                <a:gd name="connsiteX0" fmla="*/ 0 w 370248"/>
-                <a:gd name="connsiteY0" fmla="*/ 182319 h 187929"/>
-                <a:gd name="connsiteX1" fmla="*/ 179514 w 370248"/>
-                <a:gd name="connsiteY1" fmla="*/ 0 h 187929"/>
-                <a:gd name="connsiteX2" fmla="*/ 370248 w 370248"/>
-                <a:gd name="connsiteY2" fmla="*/ 187929 h 187929"/>
-              </a:gdLst>
-              <a:ahLst/>
-              <a:cxnLst>
-                <a:cxn ang="0">
-                  <a:pos x="connsiteX0" y="connsiteY0"/>
-                </a:cxn>
-                <a:cxn ang="0">
-                  <a:pos x="connsiteX1" y="connsiteY1"/>
-                </a:cxn>
-                <a:cxn ang="0">
-                  <a:pos x="connsiteX2" y="connsiteY2"/>
-                </a:cxn>
-              </a:cxnLst>
-              <a:rect l="l" t="t" r="r" b="b"/>
-              <a:pathLst>
-                <a:path w="370248" h="187929">
-                  <a:moveTo>
-                    <a:pt x="0" y="182319"/>
-                  </a:moveTo>
-                  <a:lnTo>
-                    <a:pt x="179514" y="0"/>
-                  </a:lnTo>
-                  <a:lnTo>
-                    <a:pt x="370248" y="187929"/>
-                  </a:lnTo>
-                </a:path>
-              </a:pathLst>
-            </a:custGeom>
-            <a:noFill/>
-            <a:ln>
-              <a:solidFill>
-                <a:schemeClr val="bg1">
-                  <a:lumMod val="50000"/>
-                  <a:alpha val="71000"/>
-                </a:schemeClr>
-              </a:solidFill>
-            </a:ln>
-          </p:spPr>
-          <p:style>
-            <a:lnRef idx="2">
-              <a:schemeClr val="accent1">
-                <a:shade val="50000"/>
-              </a:schemeClr>
-            </a:lnRef>
-            <a:fillRef idx="1">
-              <a:schemeClr val="accent1"/>
-            </a:fillRef>
-            <a:effectRef idx="0">
-              <a:schemeClr val="accent1"/>
-            </a:effectRef>
-            <a:fontRef idx="minor">
-              <a:schemeClr val="lt1"/>
-            </a:fontRef>
-          </p:style>
-          <p:txBody>
-            <a:bodyPr rtlCol="0" anchor="ctr"/>
-            <a:lstStyle/>
-            <a:p>
-              <a:pPr algn="ctr"/>
-              <a:endParaRPr lang="zh-CN" altLang="en-US">
-                <a:solidFill>
-                  <a:srgbClr val="413B39"/>
-                </a:solidFill>
-                <a:latin typeface="方正兰亭超细黑简体" panose="02000000000000000000" pitchFamily="2" charset="-122"/>
-                <a:ea typeface="方正兰亭超细黑简体" panose="02000000000000000000" pitchFamily="2" charset="-122"/>
-              </a:endParaRPr>
-            </a:p>
-          </p:txBody>
-        </p:sp>
-        <p:sp>
-          <p:nvSpPr>
-            <p:cNvPr id="15" name="任意多边形 14"/>
-            <p:cNvSpPr/>
-            <p:nvPr/>
-          </p:nvSpPr>
-          <p:spPr>
-            <a:xfrm rot="16200000">
-              <a:off x="5549900" y="3604562"/>
-              <a:ext cx="370248" cy="187929"/>
-            </a:xfrm>
-            <a:custGeom>
-              <a:avLst/>
-              <a:gdLst>
-                <a:gd name="connsiteX0" fmla="*/ 0 w 370248"/>
-                <a:gd name="connsiteY0" fmla="*/ 182319 h 187929"/>
-                <a:gd name="connsiteX1" fmla="*/ 179514 w 370248"/>
-                <a:gd name="connsiteY1" fmla="*/ 0 h 187929"/>
-                <a:gd name="connsiteX2" fmla="*/ 370248 w 370248"/>
-                <a:gd name="connsiteY2" fmla="*/ 187929 h 187929"/>
-              </a:gdLst>
-              <a:ahLst/>
-              <a:cxnLst>
-                <a:cxn ang="0">
-                  <a:pos x="connsiteX0" y="connsiteY0"/>
-                </a:cxn>
-                <a:cxn ang="0">
-                  <a:pos x="connsiteX1" y="connsiteY1"/>
-                </a:cxn>
-                <a:cxn ang="0">
-                  <a:pos x="connsiteX2" y="connsiteY2"/>
-                </a:cxn>
-              </a:cxnLst>
-              <a:rect l="l" t="t" r="r" b="b"/>
-              <a:pathLst>
-                <a:path w="370248" h="187929">
-                  <a:moveTo>
-                    <a:pt x="0" y="182319"/>
-                  </a:moveTo>
-                  <a:lnTo>
-                    <a:pt x="179514" y="0"/>
-                  </a:lnTo>
-                  <a:lnTo>
-                    <a:pt x="370248" y="187929"/>
-                  </a:lnTo>
-                </a:path>
-              </a:pathLst>
-            </a:custGeom>
-            <a:noFill/>
-            <a:ln>
-              <a:solidFill>
-                <a:schemeClr val="bg1">
-                  <a:lumMod val="50000"/>
-                  <a:alpha val="71000"/>
-                </a:schemeClr>
-              </a:solidFill>
-            </a:ln>
-          </p:spPr>
-          <p:style>
-            <a:lnRef idx="2">
-              <a:schemeClr val="accent1">
-                <a:shade val="50000"/>
-              </a:schemeClr>
-            </a:lnRef>
-            <a:fillRef idx="1">
-              <a:schemeClr val="accent1"/>
-            </a:fillRef>
-            <a:effectRef idx="0">
-              <a:schemeClr val="accent1"/>
-            </a:effectRef>
-            <a:fontRef idx="minor">
-              <a:schemeClr val="lt1"/>
-            </a:fontRef>
-          </p:style>
-          <p:txBody>
-            <a:bodyPr rtlCol="0" anchor="ctr"/>
-            <a:lstStyle/>
-            <a:p>
-              <a:pPr algn="ctr"/>
-              <a:endParaRPr lang="zh-CN" altLang="en-US">
-                <a:solidFill>
-                  <a:srgbClr val="413B39"/>
-                </a:solidFill>
-                <a:latin typeface="方正兰亭超细黑简体" panose="02000000000000000000" pitchFamily="2" charset="-122"/>
-                <a:ea typeface="方正兰亭超细黑简体" panose="02000000000000000000" pitchFamily="2" charset="-122"/>
-              </a:endParaRPr>
-            </a:p>
-          </p:txBody>
-        </p:sp>
-        <p:sp>
-          <p:nvSpPr>
-            <p:cNvPr id="16" name="任意多边形 15"/>
-            <p:cNvSpPr/>
-            <p:nvPr/>
-          </p:nvSpPr>
-          <p:spPr>
-            <a:xfrm rot="16200000" flipH="1" flipV="1">
-              <a:off x="6280386" y="3612238"/>
-              <a:ext cx="370248" cy="187929"/>
-            </a:xfrm>
-            <a:custGeom>
-              <a:avLst/>
-              <a:gdLst>
-                <a:gd name="connsiteX0" fmla="*/ 0 w 370248"/>
-                <a:gd name="connsiteY0" fmla="*/ 182319 h 187929"/>
-                <a:gd name="connsiteX1" fmla="*/ 179514 w 370248"/>
-                <a:gd name="connsiteY1" fmla="*/ 0 h 187929"/>
-                <a:gd name="connsiteX2" fmla="*/ 370248 w 370248"/>
-                <a:gd name="connsiteY2" fmla="*/ 187929 h 187929"/>
-              </a:gdLst>
-              <a:ahLst/>
-              <a:cxnLst>
-                <a:cxn ang="0">
-                  <a:pos x="connsiteX0" y="connsiteY0"/>
-                </a:cxn>
-                <a:cxn ang="0">
-                  <a:pos x="connsiteX1" y="connsiteY1"/>
-                </a:cxn>
-                <a:cxn ang="0">
-                  <a:pos x="connsiteX2" y="connsiteY2"/>
-                </a:cxn>
-              </a:cxnLst>
-              <a:rect l="l" t="t" r="r" b="b"/>
-              <a:pathLst>
-                <a:path w="370248" h="187929">
-                  <a:moveTo>
-                    <a:pt x="0" y="182319"/>
-                  </a:moveTo>
-                  <a:lnTo>
-                    <a:pt x="179514" y="0"/>
-                  </a:lnTo>
-                  <a:lnTo>
-                    <a:pt x="370248" y="187929"/>
-                  </a:lnTo>
-                </a:path>
-              </a:pathLst>
-            </a:custGeom>
-            <a:noFill/>
-            <a:ln>
-              <a:solidFill>
-                <a:schemeClr val="bg1">
-                  <a:lumMod val="50000"/>
-                  <a:alpha val="71000"/>
-                </a:schemeClr>
-              </a:solidFill>
-            </a:ln>
-          </p:spPr>
-          <p:style>
-            <a:lnRef idx="2">
-              <a:schemeClr val="accent1">
-                <a:shade val="50000"/>
-              </a:schemeClr>
-            </a:lnRef>
-            <a:fillRef idx="1">
-              <a:schemeClr val="accent1"/>
-            </a:fillRef>
-            <a:effectRef idx="0">
-              <a:schemeClr val="accent1"/>
-            </a:effectRef>
-            <a:fontRef idx="minor">
-              <a:schemeClr val="lt1"/>
-            </a:fontRef>
-          </p:style>
-          <p:txBody>
-            <a:bodyPr rtlCol="0" anchor="ctr"/>
-            <a:lstStyle/>
-            <a:p>
-              <a:pPr algn="ctr"/>
-              <a:endParaRPr lang="zh-CN" altLang="en-US">
-                <a:solidFill>
-                  <a:srgbClr val="413B39"/>
-                </a:solidFill>
-                <a:latin typeface="方正兰亭超细黑简体" panose="02000000000000000000" pitchFamily="2" charset="-122"/>
-                <a:ea typeface="方正兰亭超细黑简体" panose="02000000000000000000" pitchFamily="2" charset="-122"/>
-              </a:endParaRPr>
-            </a:p>
-          </p:txBody>
-        </p:sp>
-        <p:sp>
-          <p:nvSpPr>
-            <p:cNvPr id="17" name="任意多边形 16"/>
-            <p:cNvSpPr/>
-            <p:nvPr/>
-          </p:nvSpPr>
-          <p:spPr>
-            <a:xfrm flipV="1">
-              <a:off x="5910876" y="3973214"/>
-              <a:ext cx="370248" cy="187929"/>
-            </a:xfrm>
-            <a:custGeom>
-              <a:avLst/>
-              <a:gdLst>
-                <a:gd name="connsiteX0" fmla="*/ 0 w 370248"/>
-                <a:gd name="connsiteY0" fmla="*/ 182319 h 187929"/>
-                <a:gd name="connsiteX1" fmla="*/ 179514 w 370248"/>
-                <a:gd name="connsiteY1" fmla="*/ 0 h 187929"/>
-                <a:gd name="connsiteX2" fmla="*/ 370248 w 370248"/>
-                <a:gd name="connsiteY2" fmla="*/ 187929 h 187929"/>
-              </a:gdLst>
-              <a:ahLst/>
-              <a:cxnLst>
-                <a:cxn ang="0">
-                  <a:pos x="connsiteX0" y="connsiteY0"/>
-                </a:cxn>
-                <a:cxn ang="0">
-                  <a:pos x="connsiteX1" y="connsiteY1"/>
-                </a:cxn>
-                <a:cxn ang="0">
-                  <a:pos x="connsiteX2" y="connsiteY2"/>
-                </a:cxn>
-              </a:cxnLst>
-              <a:rect l="l" t="t" r="r" b="b"/>
-              <a:pathLst>
-                <a:path w="370248" h="187929">
-                  <a:moveTo>
-                    <a:pt x="0" y="182319"/>
-                  </a:moveTo>
-                  <a:lnTo>
-                    <a:pt x="179514" y="0"/>
-                  </a:lnTo>
-                  <a:lnTo>
-                    <a:pt x="370248" y="187929"/>
-                  </a:lnTo>
-                </a:path>
-              </a:pathLst>
-            </a:custGeom>
-            <a:noFill/>
-            <a:ln>
-              <a:solidFill>
-                <a:schemeClr val="bg1">
-                  <a:lumMod val="50000"/>
-                  <a:alpha val="71000"/>
-                </a:schemeClr>
-              </a:solidFill>
-            </a:ln>
-          </p:spPr>
-          <p:style>
-            <a:lnRef idx="2">
-              <a:schemeClr val="accent1">
-                <a:shade val="50000"/>
-              </a:schemeClr>
-            </a:lnRef>
-            <a:fillRef idx="1">
-              <a:schemeClr val="accent1"/>
-            </a:fillRef>
-            <a:effectRef idx="0">
-              <a:schemeClr val="accent1"/>
-            </a:effectRef>
-            <a:fontRef idx="minor">
-              <a:schemeClr val="lt1"/>
-            </a:fontRef>
-          </p:style>
-          <p:txBody>
-            <a:bodyPr rtlCol="0" anchor="ctr"/>
-            <a:lstStyle/>
-            <a:p>
-              <a:pPr algn="ctr"/>
-              <a:endParaRPr lang="zh-CN" altLang="en-US">
-                <a:solidFill>
-                  <a:srgbClr val="413B39"/>
-                </a:solidFill>
-                <a:latin typeface="方正兰亭超细黑简体" panose="02000000000000000000" pitchFamily="2" charset="-122"/>
-                <a:ea typeface="方正兰亭超细黑简体" panose="02000000000000000000" pitchFamily="2" charset="-122"/>
-              </a:endParaRPr>
-            </a:p>
-          </p:txBody>
-        </p:sp>
-      </p:grpSp>
-      <p:sp>
-        <p:nvSpPr>
-          <p:cNvPr id="18" name="文本框 17"/>
-          <p:cNvSpPr txBox="1"/>
-          <p:nvPr/>
-        </p:nvSpPr>
-        <p:spPr>
-          <a:xfrm>
-            <a:off x="5717685" y="2826890"/>
-            <a:ext cx="4060765" cy="860425"/>
-          </a:xfrm>
-          <a:prstGeom prst="rect">
-            <a:avLst/>
-          </a:prstGeom>
-          <a:noFill/>
-        </p:spPr>
-        <p:txBody>
-          <a:bodyPr wrap="square" rtlCol="0">
-            <a:spAutoFit/>
-          </a:bodyPr>
-          <a:lstStyle/>
-          <a:p>
-            <a:pPr algn="ctr"/>
-            <a:r>
-              <a:rPr lang="zh-CN" altLang="en-US" sz="5000" dirty="0">
-                <a:solidFill>
-                  <a:srgbClr val="413B39"/>
-                </a:solidFill>
-                <a:latin typeface="微软雅黑 Light" panose="020B0502040204020203" pitchFamily="34" charset="-122"/>
-                <a:ea typeface="微软雅黑 Light" panose="020B0502040204020203" pitchFamily="34" charset="-122"/>
-                <a:sym typeface="+mn-ea"/>
-              </a:rPr>
-              <a:t>该测试什么</a:t>
-            </a:r>
-            <a:endParaRPr lang="zh-CN" altLang="en-US" sz="5000" dirty="0">
-              <a:solidFill>
-                <a:srgbClr val="413B39"/>
-              </a:solidFill>
-              <a:latin typeface="微软雅黑 Light" panose="020B0502040204020203" pitchFamily="34" charset="-122"/>
-              <a:ea typeface="微软雅黑 Light" panose="020B0502040204020203" pitchFamily="34" charset="-122"/>
-            </a:endParaRPr>
-          </a:p>
-        </p:txBody>
-      </p:sp>
-      <p:sp>
-        <p:nvSpPr>
-          <p:cNvPr id="19" name="文本框 18"/>
-          <p:cNvSpPr txBox="1"/>
-          <p:nvPr/>
-        </p:nvSpPr>
-        <p:spPr>
-          <a:xfrm>
-            <a:off x="2066851" y="2978524"/>
-            <a:ext cx="2063019" cy="646331"/>
-          </a:xfrm>
-          <a:prstGeom prst="rect">
-            <a:avLst/>
-          </a:prstGeom>
-          <a:noFill/>
-        </p:spPr>
-        <p:txBody>
-          <a:bodyPr wrap="square" rtlCol="0">
-            <a:spAutoFit/>
-          </a:bodyPr>
-          <a:lstStyle/>
-          <a:p>
-            <a:pPr algn="ctr"/>
-            <a:r>
-              <a:rPr lang="zh-CN" altLang="en-US" sz="3600" dirty="0" smtClean="0">
-                <a:solidFill>
-                  <a:srgbClr val="413B39"/>
-                </a:solidFill>
-                <a:latin typeface="微软雅黑 Light" panose="020B0502040204020203" pitchFamily="34" charset="-122"/>
-                <a:ea typeface="微软雅黑 Light" panose="020B0502040204020203" pitchFamily="34" charset="-122"/>
-              </a:rPr>
-              <a:t>第二部分</a:t>
-            </a:r>
-            <a:endParaRPr lang="zh-CN" altLang="en-US" sz="3600" dirty="0">
-              <a:solidFill>
-                <a:srgbClr val="413B39"/>
-              </a:solidFill>
-              <a:latin typeface="微软雅黑 Light" panose="020B0502040204020203" pitchFamily="34" charset="-122"/>
-              <a:ea typeface="微软雅黑 Light" panose="020B0502040204020203" pitchFamily="34" charset="-122"/>
-            </a:endParaRPr>
-          </a:p>
-        </p:txBody>
-      </p:sp>
-      <p:sp>
-        <p:nvSpPr>
-          <p:cNvPr id="20" name="任意多边形 19"/>
-          <p:cNvSpPr/>
-          <p:nvPr/>
-        </p:nvSpPr>
-        <p:spPr>
-          <a:xfrm>
-            <a:off x="5191836" y="2386178"/>
-            <a:ext cx="0" cy="2088000"/>
-          </a:xfrm>
-          <a:custGeom>
-            <a:avLst/>
-            <a:gdLst>
-              <a:gd name="connsiteX0" fmla="*/ 0 w 0"/>
-              <a:gd name="connsiteY0" fmla="*/ 0 h 1477370"/>
-              <a:gd name="connsiteX1" fmla="*/ 0 w 0"/>
-              <a:gd name="connsiteY1" fmla="*/ 1477370 h 1477370"/>
-            </a:gdLst>
-            <a:ahLst/>
-            <a:cxnLst>
-              <a:cxn ang="0">
-                <a:pos x="connsiteX0" y="connsiteY0"/>
-              </a:cxn>
-              <a:cxn ang="0">
-                <a:pos x="connsiteX1" y="connsiteY1"/>
-              </a:cxn>
-            </a:cxnLst>
-            <a:rect l="l" t="t" r="r" b="b"/>
-            <a:pathLst>
-              <a:path h="1477370">
-                <a:moveTo>
-                  <a:pt x="0" y="0"/>
-                </a:moveTo>
-                <a:lnTo>
-                  <a:pt x="0" y="1477370"/>
-                </a:lnTo>
-              </a:path>
-            </a:pathLst>
-          </a:custGeom>
-          <a:noFill/>
-          <a:ln w="12700">
-            <a:solidFill>
-              <a:schemeClr val="bg1">
-                <a:lumMod val="50000"/>
-                <a:alpha val="71000"/>
-              </a:schemeClr>
-            </a:solidFill>
-          </a:ln>
-        </p:spPr>
-        <p:style>
-          <a:lnRef idx="2">
-            <a:schemeClr val="accent1">
-              <a:shade val="50000"/>
-            </a:schemeClr>
-          </a:lnRef>
-          <a:fillRef idx="1">
-            <a:schemeClr val="accent1"/>
-          </a:fillRef>
-          <a:effectRef idx="0">
-            <a:schemeClr val="accent1"/>
-          </a:effectRef>
-          <a:fontRef idx="minor">
-            <a:schemeClr val="lt1"/>
-          </a:fontRef>
-        </p:style>
-        <p:txBody>
-          <a:bodyPr rtlCol="0" anchor="ctr"/>
-          <a:lstStyle/>
-          <a:p>
-            <a:pPr algn="ctr"/>
-            <a:endParaRPr lang="zh-CN" altLang="en-US" dirty="0">
-              <a:solidFill>
-                <a:srgbClr val="413B39"/>
-              </a:solidFill>
-              <a:ea typeface="微软雅黑 Light" panose="020B0502040204020203" pitchFamily="34" charset="-122"/>
-            </a:endParaRPr>
-          </a:p>
-        </p:txBody>
-      </p:sp>
-      <p:sp>
-        <p:nvSpPr>
-          <p:cNvPr id="21" name="文本框 20"/>
-          <p:cNvSpPr txBox="1"/>
-          <p:nvPr/>
-        </p:nvSpPr>
-        <p:spPr>
-          <a:xfrm>
-            <a:off x="1918897" y="3624855"/>
-            <a:ext cx="2471626" cy="461665"/>
-          </a:xfrm>
-          <a:prstGeom prst="rect">
-            <a:avLst/>
-          </a:prstGeom>
-          <a:noFill/>
-        </p:spPr>
-        <p:txBody>
-          <a:bodyPr wrap="square" rtlCol="0">
-            <a:spAutoFit/>
-          </a:bodyPr>
-          <a:lstStyle/>
-          <a:p>
-            <a:pPr algn="ctr"/>
-            <a:r>
-              <a:rPr lang="en-US" altLang="zh-CN" sz="2400" dirty="0">
-                <a:solidFill>
-                  <a:srgbClr val="413B39"/>
-                </a:solidFill>
-                <a:latin typeface="微软雅黑 Light" panose="020B0502040204020203" pitchFamily="34" charset="-122"/>
-                <a:ea typeface="微软雅黑 Light" panose="020B0502040204020203" pitchFamily="34" charset="-122"/>
-                <a:cs typeface="Helvetica" panose="020B0604020202020204" pitchFamily="34" charset="0"/>
-              </a:rPr>
-              <a:t>Part One</a:t>
-            </a:r>
-            <a:endParaRPr lang="zh-CN" altLang="en-US" sz="2400" dirty="0">
-              <a:solidFill>
-                <a:srgbClr val="413B39"/>
-              </a:solidFill>
-              <a:latin typeface="微软雅黑 Light" panose="020B0502040204020203" pitchFamily="34" charset="-122"/>
-              <a:ea typeface="微软雅黑 Light" panose="020B0502040204020203" pitchFamily="34" charset="-122"/>
-              <a:cs typeface="Helvetica" panose="020B0604020202020204" pitchFamily="34" charset="0"/>
-            </a:endParaRPr>
-          </a:p>
-        </p:txBody>
-      </p:sp>
-    </p:spTree>
-  </p:cSld>
-  <p:clrMapOvr>
-    <a:masterClrMapping/>
-  </p:clrMapOvr>
-  <mc:AlternateContent xmlns:mc="http://schemas.openxmlformats.org/markup-compatibility/2006">
-    <mc:Choice xmlns:p14="http://schemas.microsoft.com/office/powerpoint/2010/main" Requires="p14">
-      <p:transition spd="slow" p14:dur="1500">
-        <p:random/>
-      </p:transition>
-    </mc:Choice>
-    <mc:Fallback>
-      <p:transition spd="slow">
-        <p:random/>
-      </p:transition>
-    </mc:Fallback>
-  </mc:AlternateContent>
-  <p:timing>
-    <p:tnLst>
-      <p:par>
         <p:cTn id="1" dur="indefinite" restart="never" nodeType="tmRoot">
           <p:childTnLst>
             <p:seq concurrent="1" nextAc="seek">
@@ -19135,9 +18249,6 @@
                     <p:cTn id="3" fill="hold">
                       <p:stCondLst>
                         <p:cond delay="indefinite"/>
-                        <p:cond evt="onBegin" delay="0">
-                          <p:tn val="2"/>
-                        </p:cond>
                       </p:stCondLst>
                       <p:childTnLst>
                         <p:par>
@@ -19147,9 +18258,9 @@
                             </p:stCondLst>
                             <p:childTnLst>
                               <p:par>
-                                <p:cTn id="5" presetID="21" presetClass="entr" presetSubtype="1" fill="hold" nodeType="withEffect">
+                                <p:cTn id="5" presetID="2" presetClass="entr" presetSubtype="4" fill="hold" nodeType="clickEffect">
                                   <p:stCondLst>
-                                    <p:cond delay="750"/>
+                                    <p:cond delay="0"/>
                                   </p:stCondLst>
                                   <p:childTnLst>
                                     <p:set>
@@ -19160,7 +18271,7 @@
                                           </p:stCondLst>
                                         </p:cTn>
                                         <p:tgtEl>
-                                          <p:spTgt spid="12"/>
+                                          <p:spTgt spid="5"/>
                                         </p:tgtEl>
                                         <p:attrNameLst>
                                           <p:attrName>style.visibility</p:attrName>
@@ -19170,41 +18281,88 @@
                                         <p:strVal val="visible"/>
                                       </p:to>
                                     </p:set>
-                                    <p:animEffect transition="in" filter="wheel(1)">
-                                      <p:cBhvr>
-                                        <p:cTn id="7" dur="1250"/>
-                                        <p:tgtEl>
-                                          <p:spTgt spid="12"/>
-                                        </p:tgtEl>
-                                      </p:cBhvr>
-                                    </p:animEffect>
+                                    <p:anim calcmode="lin" valueType="num">
+                                      <p:cBhvr additive="base">
+                                        <p:cTn id="7" dur="500" fill="hold"/>
+                                        <p:tgtEl>
+                                          <p:spTgt spid="5"/>
+                                        </p:tgtEl>
+                                        <p:attrNameLst>
+                                          <p:attrName>ppt_x</p:attrName>
+                                        </p:attrNameLst>
+                                      </p:cBhvr>
+                                      <p:tavLst>
+                                        <p:tav tm="0">
+                                          <p:val>
+                                            <p:strVal val="#ppt_x"/>
+                                          </p:val>
+                                        </p:tav>
+                                        <p:tav tm="100000">
+                                          <p:val>
+                                            <p:strVal val="#ppt_x"/>
+                                          </p:val>
+                                        </p:tav>
+                                      </p:tavLst>
+                                    </p:anim>
+                                    <p:anim calcmode="lin" valueType="num">
+                                      <p:cBhvr additive="base">
+                                        <p:cTn id="8" dur="500" fill="hold"/>
+                                        <p:tgtEl>
+                                          <p:spTgt spid="5"/>
+                                        </p:tgtEl>
+                                        <p:attrNameLst>
+                                          <p:attrName>ppt_y</p:attrName>
+                                        </p:attrNameLst>
+                                      </p:cBhvr>
+                                      <p:tavLst>
+                                        <p:tav tm="0">
+                                          <p:val>
+                                            <p:strVal val="1+#ppt_h/2"/>
+                                          </p:val>
+                                        </p:tav>
+                                        <p:tav tm="100000">
+                                          <p:val>
+                                            <p:strVal val="#ppt_y"/>
+                                          </p:val>
+                                        </p:tav>
+                                      </p:tavLst>
+                                    </p:anim>
                                   </p:childTnLst>
                                 </p:cTn>
                               </p:par>
                             </p:childTnLst>
                           </p:cTn>
                         </p:par>
+                      </p:childTnLst>
+                    </p:cTn>
+                  </p:par>
+                  <p:par>
+                    <p:cTn id="9" fill="hold">
+                      <p:stCondLst>
+                        <p:cond delay="indefinite"/>
+                      </p:stCondLst>
+                      <p:childTnLst>
                         <p:par>
-                          <p:cTn id="8" fill="hold">
+                          <p:cTn id="10" fill="hold">
                             <p:stCondLst>
-                              <p:cond delay="2250"/>
+                              <p:cond delay="0"/>
                             </p:stCondLst>
                             <p:childTnLst>
                               <p:par>
-                                <p:cTn id="9" presetID="12" presetClass="entr" presetSubtype="8" fill="hold" grpId="0" nodeType="afterEffect">
+                                <p:cTn id="11" presetID="2" presetClass="entr" presetSubtype="4" fill="hold" grpId="0" nodeType="clickEffect">
                                   <p:stCondLst>
                                     <p:cond delay="0"/>
                                   </p:stCondLst>
                                   <p:childTnLst>
                                     <p:set>
                                       <p:cBhvr>
-                                        <p:cTn id="10" dur="1" fill="hold">
+                                        <p:cTn id="12" dur="1" fill="hold">
                                           <p:stCondLst>
                                             <p:cond delay="0"/>
                                           </p:stCondLst>
                                         </p:cTn>
                                         <p:tgtEl>
-                                          <p:spTgt spid="19"/>
+                                          <p:spTgt spid="6"/>
                                         </p:tgtEl>
                                         <p:attrNameLst>
                                           <p:attrName>style.visibility</p:attrName>
@@ -19216,9 +18374,9 @@
                                     </p:set>
                                     <p:anim calcmode="lin" valueType="num">
                                       <p:cBhvr additive="base">
-                                        <p:cTn id="11" dur="500"/>
-                                        <p:tgtEl>
-                                          <p:spTgt spid="19"/>
+                                        <p:cTn id="13" dur="500" fill="hold"/>
+                                        <p:tgtEl>
+                                          <p:spTgt spid="6"/>
                                         </p:tgtEl>
                                         <p:attrNameLst>
                                           <p:attrName>ppt_x</p:attrName>
@@ -19227,7 +18385,7 @@
                                       <p:tavLst>
                                         <p:tav tm="0">
                                           <p:val>
-                                            <p:strVal val="#ppt_x-#ppt_w*1.125000"/>
+                                            <p:strVal val="#ppt_x"/>
                                           </p:val>
                                         </p:tav>
                                         <p:tav tm="100000">
@@ -19237,32 +18395,110 @@
                                         </p:tav>
                                       </p:tavLst>
                                     </p:anim>
-                                    <p:animEffect transition="in" filter="wipe(right)">
-                                      <p:cBhvr>
-                                        <p:cTn id="12" dur="500"/>
-                                        <p:tgtEl>
-                                          <p:spTgt spid="19"/>
-                                        </p:tgtEl>
-                                      </p:cBhvr>
-                                    </p:animEffect>
+                                    <p:anim calcmode="lin" valueType="num">
+                                      <p:cBhvr additive="base">
+                                        <p:cTn id="14" dur="500" fill="hold"/>
+                                        <p:tgtEl>
+                                          <p:spTgt spid="6"/>
+                                        </p:tgtEl>
+                                        <p:attrNameLst>
+                                          <p:attrName>ppt_y</p:attrName>
+                                        </p:attrNameLst>
+                                      </p:cBhvr>
+                                      <p:tavLst>
+                                        <p:tav tm="0">
+                                          <p:val>
+                                            <p:strVal val="1+#ppt_h/2"/>
+                                          </p:val>
+                                        </p:tav>
+                                        <p:tav tm="100000">
+                                          <p:val>
+                                            <p:strVal val="#ppt_y"/>
+                                          </p:val>
+                                        </p:tav>
+                                      </p:tavLst>
+                                    </p:anim>
                                   </p:childTnLst>
                                 </p:cTn>
                               </p:par>
+                            </p:childTnLst>
+                          </p:cTn>
+                        </p:par>
+                      </p:childTnLst>
+                    </p:cTn>
+                  </p:par>
+                  <p:par>
+                    <p:cTn id="15" fill="hold">
+                      <p:stCondLst>
+                        <p:cond delay="indefinite"/>
+                      </p:stCondLst>
+                      <p:childTnLst>
+                        <p:par>
+                          <p:cTn id="16" fill="hold">
+                            <p:stCondLst>
+                              <p:cond delay="0"/>
+                            </p:stCondLst>
+                            <p:childTnLst>
                               <p:par>
-                                <p:cTn id="13" presetID="12" presetClass="entr" presetSubtype="8" fill="hold" grpId="0" nodeType="withEffect">
+                                <p:cTn id="17" presetID="1" presetClass="entr" presetSubtype="0" fill="hold" grpId="0" nodeType="clickEffect">
                                   <p:stCondLst>
                                     <p:cond delay="0"/>
                                   </p:stCondLst>
                                   <p:childTnLst>
                                     <p:set>
                                       <p:cBhvr>
-                                        <p:cTn id="14" dur="1" fill="hold">
+                                        <p:cTn id="18" dur="1" fill="hold">
                                           <p:stCondLst>
                                             <p:cond delay="0"/>
                                           </p:stCondLst>
                                         </p:cTn>
                                         <p:tgtEl>
-                                          <p:spTgt spid="21"/>
+                                          <p:spTgt spid="7"/>
+                                        </p:tgtEl>
+                                        <p:attrNameLst>
+                                          <p:attrName>style.visibility</p:attrName>
+                                        </p:attrNameLst>
+                                      </p:cBhvr>
+                                      <p:to>
+                                        <p:strVal val="visible"/>
+                                      </p:to>
+                                    </p:set>
+                                  </p:childTnLst>
+                                </p:cTn>
+                              </p:par>
+                            </p:childTnLst>
+                          </p:cTn>
+                        </p:par>
+                      </p:childTnLst>
+                    </p:cTn>
+                  </p:par>
+                  <p:par>
+                    <p:cTn id="19" fill="hold">
+                      <p:stCondLst>
+                        <p:cond delay="indefinite"/>
+                      </p:stCondLst>
+                      <p:childTnLst>
+                        <p:par>
+                          <p:cTn id="20" fill="hold">
+                            <p:stCondLst>
+                              <p:cond delay="0"/>
+                            </p:stCondLst>
+                            <p:childTnLst>
+                              <p:par>
+                                <p:cTn id="21" presetID="2" presetClass="entr" presetSubtype="4" fill="hold" grpId="0" nodeType="clickEffect">
+                                  <p:stCondLst>
+                                    <p:cond delay="0"/>
+                                  </p:stCondLst>
+                                  <p:childTnLst>
+                                    <p:set>
+                                      <p:cBhvr>
+                                        <p:cTn id="22" dur="1" fill="hold">
+                                          <p:stCondLst>
+                                            <p:cond delay="0"/>
+                                          </p:stCondLst>
+                                        </p:cTn>
+                                        <p:tgtEl>
+                                          <p:spTgt spid="9"/>
                                         </p:tgtEl>
                                         <p:attrNameLst>
                                           <p:attrName>style.visibility</p:attrName>
@@ -19274,9 +18510,9 @@
                                     </p:set>
                                     <p:anim calcmode="lin" valueType="num">
                                       <p:cBhvr additive="base">
-                                        <p:cTn id="15" dur="500"/>
-                                        <p:tgtEl>
-                                          <p:spTgt spid="21"/>
+                                        <p:cTn id="23" dur="500" fill="hold"/>
+                                        <p:tgtEl>
+                                          <p:spTgt spid="9"/>
                                         </p:tgtEl>
                                         <p:attrNameLst>
                                           <p:attrName>ppt_x</p:attrName>
@@ -19285,7 +18521,7 @@
                                       <p:tavLst>
                                         <p:tav tm="0">
                                           <p:val>
-                                            <p:strVal val="#ppt_x-#ppt_w*1.125000"/>
+                                            <p:strVal val="#ppt_x"/>
                                           </p:val>
                                         </p:tav>
                                         <p:tav tm="100000">
@@ -19295,125 +18531,29 @@
                                         </p:tav>
                                       </p:tavLst>
                                     </p:anim>
-                                    <p:animEffect transition="in" filter="wipe(right)">
-                                      <p:cBhvr>
-                                        <p:cTn id="16" dur="500"/>
-                                        <p:tgtEl>
-                                          <p:spTgt spid="21"/>
-                                        </p:tgtEl>
-                                      </p:cBhvr>
-                                    </p:animEffect>
-                                  </p:childTnLst>
-                                </p:cTn>
-                              </p:par>
-                            </p:childTnLst>
-                          </p:cTn>
-                        </p:par>
-                        <p:par>
-                          <p:cTn id="17" fill="hold">
-                            <p:stCondLst>
-                              <p:cond delay="2750"/>
-                            </p:stCondLst>
-                            <p:childTnLst>
-                              <p:par>
-                                <p:cTn id="18" presetID="22" presetClass="entr" presetSubtype="1" fill="hold" grpId="0" nodeType="afterEffect">
-                                  <p:stCondLst>
-                                    <p:cond delay="0"/>
-                                  </p:stCondLst>
-                                  <p:childTnLst>
-                                    <p:set>
-                                      <p:cBhvr>
-                                        <p:cTn id="19" dur="1" fill="hold">
-                                          <p:stCondLst>
-                                            <p:cond delay="0"/>
-                                          </p:stCondLst>
-                                        </p:cTn>
-                                        <p:tgtEl>
-                                          <p:spTgt spid="20"/>
-                                        </p:tgtEl>
-                                        <p:attrNameLst>
-                                          <p:attrName>style.visibility</p:attrName>
-                                        </p:attrNameLst>
-                                      </p:cBhvr>
-                                      <p:to>
-                                        <p:strVal val="visible"/>
-                                      </p:to>
-                                    </p:set>
-                                    <p:animEffect transition="in" filter="wipe(up)">
-                                      <p:cBhvr>
-                                        <p:cTn id="20" dur="500"/>
-                                        <p:tgtEl>
-                                          <p:spTgt spid="20"/>
-                                        </p:tgtEl>
-                                      </p:cBhvr>
-                                    </p:animEffect>
-                                  </p:childTnLst>
-                                </p:cTn>
-                              </p:par>
-                            </p:childTnLst>
-                          </p:cTn>
-                        </p:par>
-                        <p:par>
-                          <p:cTn id="21" fill="hold">
-                            <p:stCondLst>
-                              <p:cond delay="3250"/>
-                            </p:stCondLst>
-                            <p:childTnLst>
-                              <p:par>
-                                <p:cTn id="22" presetID="12" presetClass="entr" presetSubtype="8" fill="hold" grpId="0" nodeType="afterEffect">
-                                  <p:stCondLst>
-                                    <p:cond delay="0"/>
-                                  </p:stCondLst>
-                                  <p:childTnLst>
-                                    <p:set>
-                                      <p:cBhvr>
-                                        <p:cTn id="23" dur="1" fill="hold">
-                                          <p:stCondLst>
-                                            <p:cond delay="0"/>
-                                          </p:stCondLst>
-                                        </p:cTn>
-                                        <p:tgtEl>
-                                          <p:spTgt spid="18"/>
-                                        </p:tgtEl>
-                                        <p:attrNameLst>
-                                          <p:attrName>style.visibility</p:attrName>
-                                        </p:attrNameLst>
-                                      </p:cBhvr>
-                                      <p:to>
-                                        <p:strVal val="visible"/>
-                                      </p:to>
-                                    </p:set>
                                     <p:anim calcmode="lin" valueType="num">
                                       <p:cBhvr additive="base">
-                                        <p:cTn id="24" dur="500"/>
-                                        <p:tgtEl>
-                                          <p:spTgt spid="18"/>
+                                        <p:cTn id="24" dur="500" fill="hold"/>
+                                        <p:tgtEl>
+                                          <p:spTgt spid="9"/>
                                         </p:tgtEl>
                                         <p:attrNameLst>
-                                          <p:attrName>ppt_x</p:attrName>
+                                          <p:attrName>ppt_y</p:attrName>
                                         </p:attrNameLst>
                                       </p:cBhvr>
                                       <p:tavLst>
                                         <p:tav tm="0">
                                           <p:val>
-                                            <p:strVal val="#ppt_x-#ppt_w*1.125000"/>
+                                            <p:strVal val="1+#ppt_h/2"/>
                                           </p:val>
                                         </p:tav>
                                         <p:tav tm="100000">
                                           <p:val>
-                                            <p:strVal val="#ppt_x"/>
+                                            <p:strVal val="#ppt_y"/>
                                           </p:val>
                                         </p:tav>
                                       </p:tavLst>
                                     </p:anim>
-                                    <p:animEffect transition="in" filter="wipe(right)">
-                                      <p:cBhvr>
-                                        <p:cTn id="25" dur="500"/>
-                                        <p:tgtEl>
-                                          <p:spTgt spid="18"/>
-                                        </p:tgtEl>
-                                      </p:cBhvr>
-                                    </p:animEffect>
                                   </p:childTnLst>
                                 </p:cTn>
                               </p:par>
@@ -19445,16 +18585,15 @@
       </p:par>
     </p:tnLst>
     <p:bldLst>
-      <p:bldP spid="18" grpId="0"/>
-      <p:bldP spid="19" grpId="0"/>
-      <p:bldP spid="20" grpId="0" animBg="1"/>
-      <p:bldP spid="21" grpId="0"/>
+      <p:bldP spid="6" grpId="0"/>
+      <p:bldP spid="7" grpId="0"/>
+      <p:bldP spid="9" grpId="0"/>
     </p:bldLst>
   </p:timing>
 </p:sld>
 </file>
 
-<file path=ppt/slides/slide7.xml><?xml version="1.0" encoding="utf-8"?>
+<file path=ppt/slides/slide6.xml><?xml version="1.0" encoding="utf-8"?>
 <p:sld xmlns:a="http://schemas.openxmlformats.org/drawingml/2006/main" xmlns:r="http://schemas.openxmlformats.org/officeDocument/2006/relationships" xmlns:p="http://schemas.openxmlformats.org/presentationml/2006/main">
   <p:cSld>
     <p:spTree>
@@ -19480,7 +18619,7 @@
         <p:spPr>
           <a:xfrm>
             <a:off x="341072" y="470465"/>
-            <a:ext cx="2760316" cy="583565"/>
+            <a:ext cx="2760316" cy="460375"/>
           </a:xfrm>
           <a:prstGeom prst="rect">
             <a:avLst/>
@@ -19495,7 +18634,7 @@
           <a:p>
             <a:pPr algn="ctr"/>
             <a:r>
-              <a:rPr lang="zh-CN" altLang="en-US" sz="3200" dirty="0">
+              <a:rPr lang="zh-CN" altLang="en-US" sz="2400" dirty="0">
                 <a:solidFill>
                   <a:srgbClr val="413B39"/>
                 </a:solidFill>
@@ -19503,9 +18642,9 @@
                 <a:ea typeface="微软雅黑 Light" panose="020B0502040204020203" pitchFamily="34" charset="-122"/>
                 <a:sym typeface="+mn-ea"/>
               </a:rPr>
-              <a:t>该测试什么</a:t>
+              <a:t>自动化测试的位置</a:t>
             </a:r>
-            <a:endParaRPr lang="zh-CN" altLang="en-US" sz="3200" dirty="0">
+            <a:endParaRPr lang="zh-CN" altLang="en-US" sz="2400" dirty="0">
               <a:solidFill>
                 <a:srgbClr val="413B39"/>
               </a:solidFill>
@@ -19619,16 +18758,84 @@
           </a:p>
         </p:txBody>
       </p:sp>
+      <p:pic>
+        <p:nvPicPr>
+          <p:cNvPr id="7" name="图片 6" descr="自动化测试"/>
+          <p:cNvPicPr>
+            <a:picLocks noChangeAspect="1"/>
+          </p:cNvPicPr>
+          <p:nvPr/>
+        </p:nvPicPr>
+        <p:blipFill>
+          <a:blip r:embed="rId1"/>
+          <a:stretch>
+            <a:fillRect/>
+          </a:stretch>
+        </p:blipFill>
+        <p:spPr>
+          <a:xfrm>
+            <a:off x="2040255" y="1316355"/>
+            <a:ext cx="7941945" cy="4909820"/>
+          </a:xfrm>
+          <a:prstGeom prst="rect">
+            <a:avLst/>
+          </a:prstGeom>
+        </p:spPr>
+      </p:pic>
+    </p:spTree>
+  </p:cSld>
+  <p:clrMapOvr>
+    <a:masterClrMapping/>
+  </p:clrMapOvr>
+  <mc:AlternateContent xmlns:mc="http://schemas.openxmlformats.org/markup-compatibility/2006">
+    <mc:Choice xmlns:p14="http://schemas.microsoft.com/office/powerpoint/2010/main" Requires="p14">
+      <p:transition spd="slow" p14:dur="2000">
+        <p14:prism isContent="1"/>
+      </p:transition>
+    </mc:Choice>
+    <mc:Fallback>
+      <p:transition spd="slow">
+        <p:fade/>
+      </p:transition>
+    </mc:Fallback>
+  </mc:AlternateContent>
+  <p:timing>
+    <p:tnLst>
+      <p:par>
+        <p:cTn id="1" dur="indefinite" restart="never" nodeType="tmRoot"/>
+      </p:par>
+    </p:tnLst>
+  </p:timing>
+</p:sld>
+</file>
+
+<file path=ppt/slides/slide7.xml><?xml version="1.0" encoding="utf-8"?>
+<p:sld xmlns:a="http://schemas.openxmlformats.org/drawingml/2006/main" xmlns:r="http://schemas.openxmlformats.org/officeDocument/2006/relationships" xmlns:p="http://schemas.openxmlformats.org/presentationml/2006/main">
+  <p:cSld>
+    <p:spTree>
+      <p:nvGrpSpPr>
+        <p:cNvPr id="1" name=""/>
+        <p:cNvGrpSpPr/>
+        <p:nvPr/>
+      </p:nvGrpSpPr>
+      <p:grpSpPr>
+        <a:xfrm>
+          <a:off x="0" y="0"/>
+          <a:ext cx="0" cy="0"/>
+          <a:chOff x="0" y="0"/>
+          <a:chExt cx="0" cy="0"/>
+        </a:xfrm>
+      </p:grpSpPr>
       <p:sp>
         <p:nvSpPr>
-          <p:cNvPr id="2" name="文本框 1"/>
+          <p:cNvPr id="16" name="文本框 15"/>
           <p:cNvSpPr txBox="1"/>
           <p:nvPr/>
         </p:nvSpPr>
         <p:spPr>
           <a:xfrm>
-            <a:off x="906145" y="1706245"/>
-            <a:ext cx="4281805" cy="368300"/>
+            <a:off x="341072" y="470465"/>
+            <a:ext cx="2760316" cy="583565"/>
           </a:xfrm>
           <a:prstGeom prst="rect">
             <a:avLst/>
@@ -19639,10 +18846,187 @@
           <a:bodyPr wrap="square" rtlCol="0">
             <a:spAutoFit/>
           </a:bodyPr>
+          <a:lstStyle/>
+          <a:p>
+            <a:pPr algn="ctr"/>
+            <a:r>
+              <a:rPr lang="zh-CN" altLang="en-US" sz="3200" dirty="0">
+                <a:solidFill>
+                  <a:srgbClr val="413B39"/>
+                </a:solidFill>
+                <a:latin typeface="微软雅黑 Light" panose="020B0502040204020203" pitchFamily="34" charset="-122"/>
+                <a:ea typeface="微软雅黑 Light" panose="020B0502040204020203" pitchFamily="34" charset="-122"/>
+                <a:sym typeface="+mn-ea"/>
+              </a:rPr>
+              <a:t>例子</a:t>
+            </a:r>
+            <a:endParaRPr lang="zh-CN" altLang="en-US" sz="3200" dirty="0">
+              <a:solidFill>
+                <a:srgbClr val="413B39"/>
+              </a:solidFill>
+              <a:latin typeface="微软雅黑 Light" panose="020B0502040204020203" pitchFamily="34" charset="-122"/>
+              <a:ea typeface="微软雅黑 Light" panose="020B0502040204020203" pitchFamily="34" charset="-122"/>
+            </a:endParaRPr>
+          </a:p>
+        </p:txBody>
+      </p:sp>
+      <p:sp>
+        <p:nvSpPr>
+          <p:cNvPr id="17" name="任意多边形 16"/>
+          <p:cNvSpPr/>
+          <p:nvPr/>
+        </p:nvSpPr>
+        <p:spPr>
+          <a:xfrm>
+            <a:off x="11723" y="-3908"/>
+            <a:ext cx="1230923" cy="1512277"/>
+          </a:xfrm>
+          <a:custGeom>
+            <a:avLst/>
+            <a:gdLst>
+              <a:gd name="connsiteX0" fmla="*/ 1230923 w 1230923"/>
+              <a:gd name="connsiteY0" fmla="*/ 484554 h 1512277"/>
+              <a:gd name="connsiteX1" fmla="*/ 758092 w 1230923"/>
+              <a:gd name="connsiteY1" fmla="*/ 0 h 1512277"/>
+              <a:gd name="connsiteX2" fmla="*/ 0 w 1230923"/>
+              <a:gd name="connsiteY2" fmla="*/ 754185 h 1512277"/>
+              <a:gd name="connsiteX3" fmla="*/ 758092 w 1230923"/>
+              <a:gd name="connsiteY3" fmla="*/ 1512277 h 1512277"/>
+              <a:gd name="connsiteX4" fmla="*/ 1230923 w 1230923"/>
+              <a:gd name="connsiteY4" fmla="*/ 1039446 h 1512277"/>
+            </a:gdLst>
+            <a:ahLst/>
+            <a:cxnLst>
+              <a:cxn ang="0">
+                <a:pos x="connsiteX0" y="connsiteY0"/>
+              </a:cxn>
+              <a:cxn ang="0">
+                <a:pos x="connsiteX1" y="connsiteY1"/>
+              </a:cxn>
+              <a:cxn ang="0">
+                <a:pos x="connsiteX2" y="connsiteY2"/>
+              </a:cxn>
+              <a:cxn ang="0">
+                <a:pos x="connsiteX3" y="connsiteY3"/>
+              </a:cxn>
+              <a:cxn ang="0">
+                <a:pos x="connsiteX4" y="connsiteY4"/>
+              </a:cxn>
+            </a:cxnLst>
+            <a:rect l="l" t="t" r="r" b="b"/>
+            <a:pathLst>
+              <a:path w="1230923" h="1512277">
+                <a:moveTo>
+                  <a:pt x="1230923" y="484554"/>
+                </a:moveTo>
+                <a:lnTo>
+                  <a:pt x="758092" y="0"/>
+                </a:lnTo>
+                <a:lnTo>
+                  <a:pt x="0" y="754185"/>
+                </a:lnTo>
+                <a:lnTo>
+                  <a:pt x="758092" y="1512277"/>
+                </a:lnTo>
+                <a:lnTo>
+                  <a:pt x="1230923" y="1039446"/>
+                </a:lnTo>
+              </a:path>
+            </a:pathLst>
+          </a:custGeom>
+          <a:noFill/>
+          <a:ln>
+            <a:solidFill>
+              <a:schemeClr val="bg1">
+                <a:lumMod val="50000"/>
+                <a:alpha val="45000"/>
+              </a:schemeClr>
+            </a:solidFill>
+          </a:ln>
+        </p:spPr>
+        <p:style>
+          <a:lnRef idx="2">
+            <a:schemeClr val="accent1">
+              <a:shade val="50000"/>
+            </a:schemeClr>
+          </a:lnRef>
+          <a:fillRef idx="1">
+            <a:schemeClr val="accent1"/>
+          </a:fillRef>
+          <a:effectRef idx="0">
+            <a:schemeClr val="accent1"/>
+          </a:effectRef>
+          <a:fontRef idx="minor">
+            <a:schemeClr val="lt1"/>
+          </a:fontRef>
+        </p:style>
+        <p:txBody>
+          <a:bodyPr rtlCol="0" anchor="ctr"/>
+          <a:lstStyle/>
+          <a:p>
+            <a:pPr algn="ctr"/>
+            <a:endParaRPr lang="zh-CN" altLang="en-US" dirty="0">
+              <a:solidFill>
+                <a:srgbClr val="413B39"/>
+              </a:solidFill>
+              <a:ea typeface="微软雅黑 Light" panose="020B0502040204020203" pitchFamily="34" charset="-122"/>
+            </a:endParaRPr>
+          </a:p>
+        </p:txBody>
+      </p:sp>
+      <p:sp>
+        <p:nvSpPr>
+          <p:cNvPr id="2" name="文本框 1"/>
+          <p:cNvSpPr txBox="1"/>
+          <p:nvPr/>
+        </p:nvSpPr>
+        <p:spPr>
+          <a:xfrm>
+            <a:off x="991235" y="1734820"/>
+            <a:ext cx="3308350" cy="368300"/>
+          </a:xfrm>
+          <a:prstGeom prst="rect">
+            <a:avLst/>
+          </a:prstGeom>
+          <a:noFill/>
+        </p:spPr>
+        <p:txBody>
+          <a:bodyPr wrap="square" rtlCol="0">
+            <a:spAutoFit/>
+          </a:bodyPr>
           <a:p>
             <a:r>
               <a:rPr lang="zh-CN" altLang="en-US"/>
-              <a:t>输入和预期的输出</a:t>
+              <a:t>开发的单元测试</a:t>
+            </a:r>
+            <a:endParaRPr lang="zh-CN" altLang="en-US"/>
+          </a:p>
+        </p:txBody>
+      </p:sp>
+      <p:sp>
+        <p:nvSpPr>
+          <p:cNvPr id="3" name="文本框 2"/>
+          <p:cNvSpPr txBox="1"/>
+          <p:nvPr/>
+        </p:nvSpPr>
+        <p:spPr>
+          <a:xfrm>
+            <a:off x="6576695" y="1734820"/>
+            <a:ext cx="2854325" cy="368300"/>
+          </a:xfrm>
+          <a:prstGeom prst="rect">
+            <a:avLst/>
+          </a:prstGeom>
+          <a:noFill/>
+        </p:spPr>
+        <p:txBody>
+          <a:bodyPr wrap="square" rtlCol="0">
+            <a:spAutoFit/>
+          </a:bodyPr>
+          <a:p>
+            <a:r>
+              <a:rPr lang="zh-CN" altLang="en-US"/>
+              <a:t>已有的自动化测试用例</a:t>
             </a:r>
             <a:endParaRPr lang="zh-CN" altLang="en-US"/>
           </a:p>
@@ -20071,7 +19455,7 @@
         </p:nvSpPr>
         <p:spPr>
           <a:xfrm>
-            <a:off x="5717685" y="2826890"/>
+            <a:off x="5727210" y="2972305"/>
             <a:ext cx="4060765" cy="860425"/>
           </a:xfrm>
           <a:prstGeom prst="rect">
@@ -20116,7 +19500,7 @@
         <p:spPr>
           <a:xfrm>
             <a:off x="2066851" y="2978524"/>
-            <a:ext cx="2063019" cy="646331"/>
+            <a:ext cx="2063019" cy="645160"/>
           </a:xfrm>
           <a:prstGeom prst="rect">
             <a:avLst/>
@@ -20138,7 +19522,7 @@
                 <a:latin typeface="微软雅黑 Light" panose="020B0502040204020203" pitchFamily="34" charset="-122"/>
                 <a:ea typeface="微软雅黑 Light" panose="020B0502040204020203" pitchFamily="34" charset="-122"/>
               </a:rPr>
-              <a:t>第三部分</a:t>
+              <a:t>第二部分</a:t>
             </a:r>
             <a:endParaRPr lang="zh-CN" altLang="en-US" sz="3600" dirty="0">
               <a:solidFill>
@@ -20239,7 +19623,7 @@
         <p:spPr>
           <a:xfrm>
             <a:off x="1918897" y="3624855"/>
-            <a:ext cx="2471626" cy="461665"/>
+            <a:ext cx="2471626" cy="460375"/>
           </a:xfrm>
           <a:prstGeom prst="rect">
             <a:avLst/>
@@ -20262,9 +19646,20 @@
                 <a:ea typeface="微软雅黑 Light" panose="020B0502040204020203" pitchFamily="34" charset="-122"/>
                 <a:cs typeface="Helvetica" panose="020B0604020202020204" pitchFamily="34" charset="0"/>
               </a:rPr>
-              <a:t>Part One</a:t>
+              <a:t>Part </a:t>
             </a:r>
-            <a:endParaRPr lang="zh-CN" altLang="en-US" sz="2400" dirty="0">
+            <a:r>
+              <a:rPr lang="en-US" sz="2400" dirty="0">
+                <a:solidFill>
+                  <a:srgbClr val="413B39"/>
+                </a:solidFill>
+                <a:latin typeface="微软雅黑 Light" panose="020B0502040204020203" pitchFamily="34" charset="-122"/>
+                <a:ea typeface="微软雅黑 Light" panose="020B0502040204020203" pitchFamily="34" charset="-122"/>
+                <a:cs typeface="Helvetica" panose="020B0604020202020204" pitchFamily="34" charset="0"/>
+              </a:rPr>
+              <a:t>Two</a:t>
+            </a:r>
+            <a:endParaRPr lang="en-US" sz="2400" dirty="0">
               <a:solidFill>
                 <a:srgbClr val="413B39"/>
               </a:solidFill>
@@ -20910,9 +20305,17 @@
           <a:p>
             <a:r>
               <a:rPr lang="zh-CN" altLang="en-US"/>
-              <a:t>不会写？不存在的，看别人写好的</a:t>
+              <a:t>不会写？不存在的，已有很多</a:t>
             </a:r>
-            <a:endParaRPr lang="en-US" altLang="zh-CN"/>
+            <a:r>
+              <a:rPr lang="en-US" altLang="zh-CN"/>
+              <a:t>demo</a:t>
+            </a:r>
+            <a:r>
+              <a:rPr lang="zh-CN" altLang="en-US"/>
+              <a:t>可参考</a:t>
+            </a:r>
+            <a:endParaRPr lang="zh-CN" altLang="en-US"/>
           </a:p>
         </p:txBody>
       </p:sp>
